--- a/FinalProject/CA_presentation.pptx
+++ b/FinalProject/CA_presentation.pptx
@@ -215,15 +215,15 @@
           </a:ln>
           <a:effectLst/>
           <a:extLst>
-            <a:ext uri="{909E8E84-426E-40DD-AFC4-6F175D3DCCD1}">
-              <a14:hiddenFill xmlns:a14="http://schemas.microsoft.com/office/drawing/2010/main">
+            <a:ext uri="{909E8E84-426E-40dd-AFC4-6F175D3DCCD1}">
+              <a14:hiddenFill xmlns:a14="http://schemas.microsoft.com/office/drawing/2010/main" xmlns="">
                 <a:solidFill>
                   <a:schemeClr val="accent1"/>
                 </a:solidFill>
               </a14:hiddenFill>
             </a:ext>
-            <a:ext uri="{91240B29-F687-4F45-9708-019B960494DF}">
-              <a14:hiddenLine xmlns:a14="http://schemas.microsoft.com/office/drawing/2010/main" w="9525">
+            <a:ext uri="{91240B29-F687-4f45-9708-019B960494DF}">
+              <a14:hiddenLine xmlns:a14="http://schemas.microsoft.com/office/drawing/2010/main" xmlns="" w="9525">
                 <a:solidFill>
                   <a:schemeClr val="tx1"/>
                 </a:solidFill>
@@ -232,8 +232,8 @@
                 <a:tailEnd/>
               </a14:hiddenLine>
             </a:ext>
-            <a:ext uri="{AF507438-7753-43E0-B8FC-AC1667EBCBE1}">
-              <a14:hiddenEffects xmlns:a14="http://schemas.microsoft.com/office/drawing/2010/main">
+            <a:ext uri="{AF507438-7753-43e0-B8FC-AC1667EBCBE1}">
+              <a14:hiddenEffects xmlns:a14="http://schemas.microsoft.com/office/drawing/2010/main" xmlns="">
                 <a:effectLst>
                   <a:outerShdw dist="35921" dir="2700000" algn="ctr" rotWithShape="0">
                     <a:schemeClr val="bg2"/>
@@ -283,15 +283,15 @@
           </a:ln>
           <a:effectLst/>
           <a:extLst>
-            <a:ext uri="{909E8E84-426E-40DD-AFC4-6F175D3DCCD1}">
-              <a14:hiddenFill xmlns:a14="http://schemas.microsoft.com/office/drawing/2010/main">
+            <a:ext uri="{909E8E84-426E-40dd-AFC4-6F175D3DCCD1}">
+              <a14:hiddenFill xmlns:a14="http://schemas.microsoft.com/office/drawing/2010/main" xmlns="">
                 <a:solidFill>
                   <a:schemeClr val="accent1"/>
                 </a:solidFill>
               </a14:hiddenFill>
             </a:ext>
-            <a:ext uri="{91240B29-F687-4F45-9708-019B960494DF}">
-              <a14:hiddenLine xmlns:a14="http://schemas.microsoft.com/office/drawing/2010/main" w="9525">
+            <a:ext uri="{91240B29-F687-4f45-9708-019B960494DF}">
+              <a14:hiddenLine xmlns:a14="http://schemas.microsoft.com/office/drawing/2010/main" xmlns="" w="9525">
                 <a:solidFill>
                   <a:schemeClr val="tx1"/>
                 </a:solidFill>
@@ -300,8 +300,8 @@
                 <a:tailEnd/>
               </a14:hiddenLine>
             </a:ext>
-            <a:ext uri="{AF507438-7753-43E0-B8FC-AC1667EBCBE1}">
-              <a14:hiddenEffects xmlns:a14="http://schemas.microsoft.com/office/drawing/2010/main">
+            <a:ext uri="{AF507438-7753-43e0-B8FC-AC1667EBCBE1}">
+              <a14:hiddenEffects xmlns:a14="http://schemas.microsoft.com/office/drawing/2010/main" xmlns="">
                 <a:effectLst>
                   <a:outerShdw dist="35921" dir="2700000" algn="ctr" rotWithShape="0">
                     <a:schemeClr val="bg2"/>
@@ -356,8 +356,8 @@
           </a:ln>
           <a:effectLst/>
           <a:extLst>
-            <a:ext uri="{AF507438-7753-43E0-B8FC-AC1667EBCBE1}">
-              <a14:hiddenEffects xmlns:a14="http://schemas.microsoft.com/office/drawing/2010/main">
+            <a:ext uri="{AF507438-7753-43e0-B8FC-AC1667EBCBE1}">
+              <a14:hiddenEffects xmlns:a14="http://schemas.microsoft.com/office/drawing/2010/main" xmlns="">
                 <a:effectLst>
                   <a:outerShdw dist="35921" dir="2700000" algn="ctr" rotWithShape="0">
                     <a:srgbClr val="808080"/>
@@ -365,8 +365,8 @@
                 </a:effectLst>
               </a14:hiddenEffects>
             </a:ext>
-            <a:ext uri="{53640926-AAD7-44D8-BBD7-CCE9431645EC}">
-              <a14:shadowObscured xmlns:a14="http://schemas.microsoft.com/office/drawing/2010/main" val="1"/>
+            <a:ext uri="{53640926-AAD7-44d8-BBD7-CCE9431645EC}">
+              <a14:shadowObscured xmlns:a14="http://schemas.microsoft.com/office/drawing/2010/main" xmlns="" val="1"/>
             </a:ext>
           </a:extLst>
         </p:spPr>
@@ -395,15 +395,15 @@
           </a:ln>
           <a:effectLst/>
           <a:extLst>
-            <a:ext uri="{909E8E84-426E-40DD-AFC4-6F175D3DCCD1}">
-              <a14:hiddenFill xmlns:a14="http://schemas.microsoft.com/office/drawing/2010/main">
+            <a:ext uri="{909E8E84-426E-40dd-AFC4-6F175D3DCCD1}">
+              <a14:hiddenFill xmlns:a14="http://schemas.microsoft.com/office/drawing/2010/main" xmlns="">
                 <a:solidFill>
                   <a:schemeClr val="accent1"/>
                 </a:solidFill>
               </a14:hiddenFill>
             </a:ext>
-            <a:ext uri="{91240B29-F687-4F45-9708-019B960494DF}">
-              <a14:hiddenLine xmlns:a14="http://schemas.microsoft.com/office/drawing/2010/main" w="9525">
+            <a:ext uri="{91240B29-F687-4f45-9708-019B960494DF}">
+              <a14:hiddenLine xmlns:a14="http://schemas.microsoft.com/office/drawing/2010/main" xmlns="" w="9525">
                 <a:solidFill>
                   <a:schemeClr val="tx1"/>
                 </a:solidFill>
@@ -412,8 +412,8 @@
                 <a:tailEnd/>
               </a14:hiddenLine>
             </a:ext>
-            <a:ext uri="{AF507438-7753-43E0-B8FC-AC1667EBCBE1}">
-              <a14:hiddenEffects xmlns:a14="http://schemas.microsoft.com/office/drawing/2010/main">
+            <a:ext uri="{AF507438-7753-43e0-B8FC-AC1667EBCBE1}">
+              <a14:hiddenEffects xmlns:a14="http://schemas.microsoft.com/office/drawing/2010/main" xmlns="">
                 <a:effectLst>
                   <a:outerShdw dist="35921" dir="2700000" algn="ctr" rotWithShape="0">
                     <a:schemeClr val="bg2"/>
@@ -491,15 +491,15 @@
           </a:ln>
           <a:effectLst/>
           <a:extLst>
-            <a:ext uri="{909E8E84-426E-40DD-AFC4-6F175D3DCCD1}">
-              <a14:hiddenFill xmlns:a14="http://schemas.microsoft.com/office/drawing/2010/main">
+            <a:ext uri="{909E8E84-426E-40dd-AFC4-6F175D3DCCD1}">
+              <a14:hiddenFill xmlns:a14="http://schemas.microsoft.com/office/drawing/2010/main" xmlns="">
                 <a:solidFill>
                   <a:schemeClr val="accent1"/>
                 </a:solidFill>
               </a14:hiddenFill>
             </a:ext>
-            <a:ext uri="{91240B29-F687-4F45-9708-019B960494DF}">
-              <a14:hiddenLine xmlns:a14="http://schemas.microsoft.com/office/drawing/2010/main" w="9525">
+            <a:ext uri="{91240B29-F687-4f45-9708-019B960494DF}">
+              <a14:hiddenLine xmlns:a14="http://schemas.microsoft.com/office/drawing/2010/main" xmlns="" w="9525">
                 <a:solidFill>
                   <a:schemeClr val="tx1"/>
                 </a:solidFill>
@@ -508,8 +508,8 @@
                 <a:tailEnd/>
               </a14:hiddenLine>
             </a:ext>
-            <a:ext uri="{AF507438-7753-43E0-B8FC-AC1667EBCBE1}">
-              <a14:hiddenEffects xmlns:a14="http://schemas.microsoft.com/office/drawing/2010/main">
+            <a:ext uri="{AF507438-7753-43e0-B8FC-AC1667EBCBE1}">
+              <a14:hiddenEffects xmlns:a14="http://schemas.microsoft.com/office/drawing/2010/main" xmlns="">
                 <a:effectLst>
                   <a:outerShdw dist="35921" dir="2700000" algn="ctr" rotWithShape="0">
                     <a:schemeClr val="bg2"/>
@@ -559,15 +559,15 @@
           </a:ln>
           <a:effectLst/>
           <a:extLst>
-            <a:ext uri="{909E8E84-426E-40DD-AFC4-6F175D3DCCD1}">
-              <a14:hiddenFill xmlns:a14="http://schemas.microsoft.com/office/drawing/2010/main">
+            <a:ext uri="{909E8E84-426E-40dd-AFC4-6F175D3DCCD1}">
+              <a14:hiddenFill xmlns:a14="http://schemas.microsoft.com/office/drawing/2010/main" xmlns="">
                 <a:solidFill>
                   <a:schemeClr val="accent1"/>
                 </a:solidFill>
               </a14:hiddenFill>
             </a:ext>
-            <a:ext uri="{91240B29-F687-4F45-9708-019B960494DF}">
-              <a14:hiddenLine xmlns:a14="http://schemas.microsoft.com/office/drawing/2010/main" w="9525">
+            <a:ext uri="{91240B29-F687-4f45-9708-019B960494DF}">
+              <a14:hiddenLine xmlns:a14="http://schemas.microsoft.com/office/drawing/2010/main" xmlns="" w="9525">
                 <a:solidFill>
                   <a:schemeClr val="tx1"/>
                 </a:solidFill>
@@ -576,8 +576,8 @@
                 <a:tailEnd/>
               </a14:hiddenLine>
             </a:ext>
-            <a:ext uri="{AF507438-7753-43E0-B8FC-AC1667EBCBE1}">
-              <a14:hiddenEffects xmlns:a14="http://schemas.microsoft.com/office/drawing/2010/main">
+            <a:ext uri="{AF507438-7753-43e0-B8FC-AC1667EBCBE1}">
+              <a14:hiddenEffects xmlns:a14="http://schemas.microsoft.com/office/drawing/2010/main" xmlns="">
                 <a:effectLst>
                   <a:outerShdw dist="35921" dir="2700000" algn="ctr" rotWithShape="0">
                     <a:schemeClr val="bg2"/>
@@ -2614,7 +2614,7 @@
           <a:graphicData uri="http://schemas.openxmlformats.org/presentationml/2006/ole">
             <mc:AlternateContent xmlns:mc="http://schemas.openxmlformats.org/markup-compatibility/2006">
               <mc:Choice xmlns:v="urn:schemas-microsoft-com:vml" Requires="v">
-                <p:oleObj spid="_x0000_s1044" name="CorelDRAW" r:id="rId14" imgW="8828280" imgH="313200" progId="CorelDRAW.Graphic.13">
+                <p:oleObj spid="_x0000_s1060" name="CorelDRAW" r:id="rId14" imgW="8828280" imgH="313200" progId="CorelDRAW.Graphic.13">
                   <p:embed/>
                 </p:oleObj>
               </mc:Choice>
@@ -2656,15 +2656,15 @@
                       </a:ln>
                       <a:effectLst/>
                       <a:extLst>
-                        <a:ext uri="{909E8E84-426E-40DD-AFC4-6F175D3DCCD1}">
-                          <a14:hiddenFill xmlns:a14="http://schemas.microsoft.com/office/drawing/2010/main">
+                        <a:ext uri="{909E8E84-426E-40dd-AFC4-6F175D3DCCD1}">
+                          <a14:hiddenFill xmlns:a14="http://schemas.microsoft.com/office/drawing/2010/main" xmlns="">
                             <a:solidFill>
                               <a:schemeClr val="bg1"/>
                             </a:solidFill>
                           </a14:hiddenFill>
                         </a:ext>
-                        <a:ext uri="{91240B29-F687-4F45-9708-019B960494DF}">
-                          <a14:hiddenLine xmlns:a14="http://schemas.microsoft.com/office/drawing/2010/main" w="9525" algn="ctr">
+                        <a:ext uri="{91240B29-F687-4f45-9708-019B960494DF}">
+                          <a14:hiddenLine xmlns:a14="http://schemas.microsoft.com/office/drawing/2010/main" xmlns="" w="9525" algn="ctr">
                             <a:solidFill>
                               <a:schemeClr val="tx1"/>
                             </a:solidFill>
@@ -2673,8 +2673,8 @@
                             <a:tailEnd/>
                           </a14:hiddenLine>
                         </a:ext>
-                        <a:ext uri="{AF507438-7753-43E0-B8FC-AC1667EBCBE1}">
-                          <a14:hiddenEffects xmlns:a14="http://schemas.microsoft.com/office/drawing/2010/main">
+                        <a:ext uri="{AF507438-7753-43e0-B8FC-AC1667EBCBE1}">
+                          <a14:hiddenEffects xmlns:a14="http://schemas.microsoft.com/office/drawing/2010/main" xmlns="">
                             <a:effectLst>
                               <a:outerShdw dist="35921" dir="2700000" algn="ctr" rotWithShape="0">
                                 <a:schemeClr val="bg2"/>
@@ -3126,8 +3126,8 @@
         </p:nvSpPr>
         <p:spPr bwMode="auto">
           <a:xfrm>
-            <a:off x="8540957" y="4091217"/>
-            <a:ext cx="15606713" cy="10062358"/>
+            <a:off x="8540957" y="3310471"/>
+            <a:ext cx="15606713" cy="10843104"/>
           </a:xfrm>
           <a:prstGeom prst="roundRect">
             <a:avLst/>
@@ -3210,8 +3210,8 @@
         </p:nvSpPr>
         <p:spPr bwMode="auto">
           <a:xfrm>
-            <a:off x="24497817" y="4064000"/>
-            <a:ext cx="7772400" cy="17322800"/>
+            <a:off x="24497817" y="3310471"/>
+            <a:ext cx="7772400" cy="18076329"/>
           </a:xfrm>
           <a:prstGeom prst="roundRect">
             <a:avLst>
@@ -3231,8 +3231,8 @@
           </a:ln>
           <a:effectLst/>
           <a:extLst>
-            <a:ext uri="{AF507438-7753-43E0-B8FC-AC1667EBCBE1}">
-              <a14:hiddenEffects xmlns:a14="http://schemas.microsoft.com/office/drawing/2010/main">
+            <a:ext uri="{AF507438-7753-43e0-B8FC-AC1667EBCBE1}">
+              <a14:hiddenEffects xmlns:a14="http://schemas.microsoft.com/office/drawing/2010/main" xmlns="">
                 <a:effectLst>
                   <a:outerShdw dist="35921" dir="2700000" algn="ctr" rotWithShape="0">
                     <a:schemeClr val="bg2"/>
@@ -3260,8 +3260,8 @@
         </p:nvSpPr>
         <p:spPr bwMode="auto">
           <a:xfrm>
-            <a:off x="457200" y="4064000"/>
-            <a:ext cx="7772400" cy="17322800"/>
+            <a:off x="457200" y="3271791"/>
+            <a:ext cx="7772400" cy="18115009"/>
           </a:xfrm>
           <a:prstGeom prst="roundRect">
             <a:avLst>
@@ -3281,8 +3281,8 @@
           </a:ln>
           <a:effectLst/>
           <a:extLst>
-            <a:ext uri="{AF507438-7753-43E0-B8FC-AC1667EBCBE1}">
-              <a14:hiddenEffects xmlns:a14="http://schemas.microsoft.com/office/drawing/2010/main">
+            <a:ext uri="{AF507438-7753-43e0-B8FC-AC1667EBCBE1}">
+              <a14:hiddenEffects xmlns:a14="http://schemas.microsoft.com/office/drawing/2010/main" xmlns="">
                 <a:effectLst>
                   <a:outerShdw dist="35921" dir="2700000" algn="ctr" rotWithShape="0">
                     <a:schemeClr val="bg2"/>
@@ -3310,8 +3310,8 @@
         </p:nvSpPr>
         <p:spPr bwMode="auto">
           <a:xfrm>
-            <a:off x="676275" y="5553075"/>
-            <a:ext cx="7334250" cy="5343542"/>
+            <a:off x="676275" y="4566680"/>
+            <a:ext cx="7334250" cy="6206086"/>
           </a:xfrm>
           <a:prstGeom prst="rect">
             <a:avLst/>
@@ -3322,15 +3322,15 @@
           </a:ln>
           <a:effectLst/>
           <a:extLst>
-            <a:ext uri="{909E8E84-426E-40DD-AFC4-6F175D3DCCD1}">
-              <a14:hiddenFill xmlns:a14="http://schemas.microsoft.com/office/drawing/2010/main">
+            <a:ext uri="{909E8E84-426E-40dd-AFC4-6F175D3DCCD1}">
+              <a14:hiddenFill xmlns:a14="http://schemas.microsoft.com/office/drawing/2010/main" xmlns="">
                 <a:solidFill>
                   <a:schemeClr val="accent1"/>
                 </a:solidFill>
               </a14:hiddenFill>
             </a:ext>
-            <a:ext uri="{91240B29-F687-4F45-9708-019B960494DF}">
-              <a14:hiddenLine xmlns:a14="http://schemas.microsoft.com/office/drawing/2010/main" w="9525">
+            <a:ext uri="{91240B29-F687-4f45-9708-019B960494DF}">
+              <a14:hiddenLine xmlns:a14="http://schemas.microsoft.com/office/drawing/2010/main" xmlns="" w="9525">
                 <a:solidFill>
                   <a:schemeClr val="tx1"/>
                 </a:solidFill>
@@ -3339,8 +3339,8 @@
                 <a:tailEnd/>
               </a14:hiddenLine>
             </a:ext>
-            <a:ext uri="{AF507438-7753-43E0-B8FC-AC1667EBCBE1}">
-              <a14:hiddenEffects xmlns:a14="http://schemas.microsoft.com/office/drawing/2010/main">
+            <a:ext uri="{AF507438-7753-43e0-B8FC-AC1667EBCBE1}">
+              <a14:hiddenEffects xmlns:a14="http://schemas.microsoft.com/office/drawing/2010/main" xmlns="">
                 <a:effectLst>
                   <a:outerShdw dist="35921" dir="2700000" algn="ctr" rotWithShape="0">
                     <a:schemeClr val="bg2"/>
@@ -3453,95 +3453,135 @@
             </a:lvl9pPr>
           </a:lstStyle>
           <a:p>
-            <a:pPr eaLnBrk="0" hangingPunct="0">
+            <a:pPr marL="342900" indent="-342900" eaLnBrk="0" hangingPunct="0">
               <a:lnSpc>
                 <a:spcPct val="95000"/>
               </a:lnSpc>
+              <a:buFont typeface="Arial"/>
+              <a:buChar char="•"/>
             </a:pPr>
             <a:r>
-              <a:rPr lang="en-US" altLang="en-US" sz="1900" dirty="0">
-                <a:latin typeface="Times New Roman" pitchFamily="18" charset="0"/>
+              <a:rPr lang="en-US" altLang="en-US" sz="3600" b="1" dirty="0" smtClean="0">
+                <a:latin typeface="+mj-lt"/>
               </a:rPr>
-              <a:t>We hope you find this template useful! This one is set up to yield a 24x36 horizontal poster.</a:t>
-            </a:r>
-          </a:p>
-          <a:p>
-            <a:pPr eaLnBrk="0" hangingPunct="0">
+              <a:t>California State </a:t>
+            </a:r>
+            <a:r>
+              <a:rPr lang="en-US" altLang="en-US" sz="3600" b="1" dirty="0" smtClean="0">
+                <a:latin typeface="+mj-lt"/>
+              </a:rPr>
+              <a:t>Legislature</a:t>
+            </a:r>
+          </a:p>
+          <a:p>
+            <a:pPr marL="669925" lvl="1" indent="-342900" eaLnBrk="0" hangingPunct="0">
               <a:lnSpc>
                 <a:spcPct val="95000"/>
               </a:lnSpc>
+              <a:buFont typeface="Arial"/>
+              <a:buChar char="•"/>
             </a:pPr>
-            <a:endParaRPr lang="en-US" altLang="en-US" sz="1900" dirty="0">
-              <a:latin typeface="Times New Roman" pitchFamily="18" charset="0"/>
-            </a:endParaRPr>
-          </a:p>
-          <a:p>
-            <a:pPr eaLnBrk="0" hangingPunct="0">
+            <a:r>
+              <a:rPr lang="en-US" altLang="en-US" sz="3600" dirty="0" smtClean="0">
+                <a:latin typeface="+mj-lt"/>
+              </a:rPr>
+              <a:t>Senate</a:t>
+            </a:r>
+            <a:r>
+              <a:rPr lang="en-US" altLang="en-US" sz="3600" dirty="0" smtClean="0">
+                <a:latin typeface="+mj-lt"/>
+              </a:rPr>
+              <a:t>: 40 Seats (4 year term</a:t>
+            </a:r>
+            <a:r>
+              <a:rPr lang="en-US" altLang="en-US" sz="3600" dirty="0" smtClean="0">
+                <a:latin typeface="+mj-lt"/>
+              </a:rPr>
+              <a:t>)</a:t>
+            </a:r>
+          </a:p>
+          <a:p>
+            <a:pPr marL="669925" lvl="1" indent="-342900" eaLnBrk="0" hangingPunct="0">
               <a:lnSpc>
                 <a:spcPct val="95000"/>
               </a:lnSpc>
+              <a:buFont typeface="Arial"/>
+              <a:buChar char="•"/>
             </a:pPr>
             <a:r>
-              <a:rPr lang="en-US" altLang="en-US" sz="1900" dirty="0">
-                <a:latin typeface="Times New Roman" pitchFamily="18" charset="0"/>
+              <a:rPr lang="en-US" altLang="en-US" sz="3600" dirty="0" smtClean="0">
+                <a:latin typeface="+mj-lt"/>
               </a:rPr>
-              <a:t>We’ve put in the headings we usually see in these posters, you can copy and paste and change to your hearts content! We suggest you use keep black text against a light background so that it is easy to read. Background color can be changed in format-background-drop down menu.</a:t>
-            </a:r>
-          </a:p>
-          <a:p>
-            <a:pPr eaLnBrk="0" hangingPunct="0">
+              <a:t> House/Assembly</a:t>
+            </a:r>
+            <a:r>
+              <a:rPr lang="en-US" altLang="en-US" sz="3600" dirty="0" smtClean="0">
+                <a:latin typeface="+mj-lt"/>
+              </a:rPr>
+              <a:t>: 80 Seats (2 year term</a:t>
+            </a:r>
+            <a:r>
+              <a:rPr lang="en-US" altLang="en-US" sz="3600" dirty="0" smtClean="0">
+                <a:latin typeface="+mj-lt"/>
+              </a:rPr>
+              <a:t>) </a:t>
+            </a:r>
+            <a:endParaRPr lang="en-US" altLang="en-US" sz="3600" dirty="0">
+              <a:latin typeface="+mj-lt"/>
+            </a:endParaRPr>
+          </a:p>
+          <a:p>
+            <a:pPr marL="669925" lvl="1" indent="-342900" eaLnBrk="0" hangingPunct="0">
               <a:lnSpc>
                 <a:spcPct val="95000"/>
               </a:lnSpc>
+              <a:buFont typeface="Arial"/>
+              <a:buChar char="•"/>
             </a:pPr>
-            <a:endParaRPr lang="en-US" altLang="en-US" sz="1900" dirty="0">
-              <a:latin typeface="Times New Roman" pitchFamily="18" charset="0"/>
+            <a:endParaRPr lang="en-US" altLang="en-US" sz="3600" dirty="0" smtClean="0">
+              <a:latin typeface="+mj-lt"/>
             </a:endParaRPr>
           </a:p>
           <a:p>
-            <a:pPr eaLnBrk="0" hangingPunct="0">
+            <a:pPr marL="342900" indent="-342900" eaLnBrk="0" hangingPunct="0">
               <a:lnSpc>
                 <a:spcPct val="95000"/>
               </a:lnSpc>
+              <a:buFont typeface="Arial"/>
+              <a:buChar char="•"/>
             </a:pPr>
             <a:r>
-              <a:rPr lang="en-US" altLang="en-US" sz="1900" dirty="0">
-                <a:latin typeface="Times New Roman" pitchFamily="18" charset="0"/>
+              <a:rPr lang="en-US" altLang="en-US" sz="3600" b="1" dirty="0" smtClean="0">
+                <a:latin typeface="+mj-lt"/>
               </a:rPr>
-              <a:t>The boxes around the text will automatically fit the text you type, and if you click on the text, you can use the little handles that appear to stretch or squeeze the text boxes to whatever size you want. If you need just a little more room for your type, go to format-line spacing and reduce it to 90 or even 85%.</a:t>
-            </a:r>
-          </a:p>
-          <a:p>
-            <a:pPr eaLnBrk="0" hangingPunct="0">
+              <a:t>State Partisanship</a:t>
+            </a:r>
+          </a:p>
+          <a:p>
+            <a:pPr marL="669925" lvl="1" indent="-342900" eaLnBrk="0" hangingPunct="0">
               <a:lnSpc>
                 <a:spcPct val="95000"/>
               </a:lnSpc>
+              <a:buFont typeface="Arial"/>
+              <a:buChar char="•"/>
             </a:pPr>
-            <a:endParaRPr lang="en-US" altLang="en-US" sz="1900" dirty="0">
-              <a:latin typeface="Times New Roman" pitchFamily="18" charset="0"/>
-            </a:endParaRPr>
-          </a:p>
-          <a:p>
-            <a:pPr eaLnBrk="0" hangingPunct="0">
+            <a:r>
+              <a:rPr lang="en-US" altLang="en-US" sz="3600" dirty="0" smtClean="0">
+                <a:latin typeface="+mj-lt"/>
+              </a:rPr>
+              <a:t>48 out of 80 assembly districts and 25 out of 40 senate districts have elected Democrats more times than Republicans since 1974</a:t>
+            </a:r>
+          </a:p>
+          <a:p>
+            <a:pPr marL="995363" lvl="2" indent="-342900" eaLnBrk="0" hangingPunct="0">
               <a:lnSpc>
                 <a:spcPct val="95000"/>
               </a:lnSpc>
+              <a:buFont typeface="Arial"/>
+              <a:buChar char="•"/>
             </a:pPr>
-            <a:r>
-              <a:rPr lang="en-US" altLang="en-US" sz="1900" dirty="0">
-                <a:latin typeface="Times New Roman" pitchFamily="18" charset="0"/>
-              </a:rPr>
-              <a:t>The dotted lines through the center of the piece will not print, they are for alignment. You can move them around by clicking and holding them, and a little box will tell you where they are on the page. Use them to get your pictures or text boxes aligned together.</a:t>
-            </a:r>
-          </a:p>
-          <a:p>
-            <a:pPr eaLnBrk="0" hangingPunct="0">
-              <a:lnSpc>
-                <a:spcPct val="95000"/>
-              </a:lnSpc>
-            </a:pPr>
-            <a:endParaRPr lang="en-US" altLang="en-US" sz="1900" dirty="0">
-              <a:latin typeface="Times New Roman" pitchFamily="18" charset="0"/>
+            <a:endParaRPr lang="en-US" altLang="en-US" sz="2400" dirty="0" smtClean="0">
+              <a:latin typeface="+mj-lt"/>
             </a:endParaRPr>
           </a:p>
         </p:txBody>
@@ -3556,8 +3596,8 @@
         </p:nvSpPr>
         <p:spPr bwMode="auto">
           <a:xfrm>
-            <a:off x="0" y="12795955"/>
-            <a:ext cx="7372350" cy="996950"/>
+            <a:off x="514350" y="11063957"/>
+            <a:ext cx="7372350" cy="1835659"/>
           </a:xfrm>
           <a:prstGeom prst="rect">
             <a:avLst/>
@@ -3568,15 +3608,15 @@
           </a:ln>
           <a:effectLst/>
           <a:extLst>
-            <a:ext uri="{909E8E84-426E-40DD-AFC4-6F175D3DCCD1}">
-              <a14:hiddenFill xmlns:a14="http://schemas.microsoft.com/office/drawing/2010/main">
+            <a:ext uri="{909E8E84-426E-40dd-AFC4-6F175D3DCCD1}">
+              <a14:hiddenFill xmlns:a14="http://schemas.microsoft.com/office/drawing/2010/main" xmlns="">
                 <a:solidFill>
                   <a:schemeClr val="accent1"/>
                 </a:solidFill>
               </a14:hiddenFill>
             </a:ext>
-            <a:ext uri="{91240B29-F687-4F45-9708-019B960494DF}">
-              <a14:hiddenLine xmlns:a14="http://schemas.microsoft.com/office/drawing/2010/main" w="9525">
+            <a:ext uri="{91240B29-F687-4f45-9708-019B960494DF}">
+              <a14:hiddenLine xmlns:a14="http://schemas.microsoft.com/office/drawing/2010/main" xmlns="" w="9525">
                 <a:solidFill>
                   <a:schemeClr val="tx1"/>
                 </a:solidFill>
@@ -3585,8 +3625,8 @@
                 <a:tailEnd/>
               </a14:hiddenLine>
             </a:ext>
-            <a:ext uri="{AF507438-7753-43E0-B8FC-AC1667EBCBE1}">
-              <a14:hiddenEffects xmlns:a14="http://schemas.microsoft.com/office/drawing/2010/main">
+            <a:ext uri="{AF507438-7753-43e0-B8FC-AC1667EBCBE1}">
+              <a14:hiddenEffects xmlns:a14="http://schemas.microsoft.com/office/drawing/2010/main" xmlns="">
                 <a:effectLst>
                   <a:outerShdw dist="35921" dir="2700000" algn="ctr" rotWithShape="0">
                     <a:schemeClr val="bg2"/>
@@ -3708,7 +3748,18 @@
               <a:rPr lang="en-US" altLang="en-US" b="1" dirty="0" smtClean="0"/>
               <a:t>Data</a:t>
             </a:r>
-            <a:endParaRPr lang="en-US" altLang="en-US" b="1" dirty="0"/>
+          </a:p>
+          <a:p>
+            <a:pPr algn="ctr">
+              <a:spcBef>
+                <a:spcPct val="50000"/>
+              </a:spcBef>
+            </a:pPr>
+            <a:r>
+              <a:rPr lang="en-US" altLang="en-US" sz="3600" b="1" dirty="0" smtClean="0"/>
+              <a:t>(collected from 1974 to present)</a:t>
+            </a:r>
+            <a:endParaRPr lang="en-US" altLang="en-US" sz="3600" b="1" dirty="0"/>
           </a:p>
         </p:txBody>
       </p:sp>
@@ -3734,15 +3785,15 @@
           </a:ln>
           <a:effectLst/>
           <a:extLst>
-            <a:ext uri="{909E8E84-426E-40DD-AFC4-6F175D3DCCD1}">
-              <a14:hiddenFill xmlns:a14="http://schemas.microsoft.com/office/drawing/2010/main">
+            <a:ext uri="{909E8E84-426E-40dd-AFC4-6F175D3DCCD1}">
+              <a14:hiddenFill xmlns:a14="http://schemas.microsoft.com/office/drawing/2010/main" xmlns="">
                 <a:solidFill>
                   <a:schemeClr val="accent1"/>
                 </a:solidFill>
               </a14:hiddenFill>
             </a:ext>
-            <a:ext uri="{91240B29-F687-4F45-9708-019B960494DF}">
-              <a14:hiddenLine xmlns:a14="http://schemas.microsoft.com/office/drawing/2010/main" w="9525">
+            <a:ext uri="{91240B29-F687-4f45-9708-019B960494DF}">
+              <a14:hiddenLine xmlns:a14="http://schemas.microsoft.com/office/drawing/2010/main" xmlns="" w="9525">
                 <a:solidFill>
                   <a:schemeClr val="tx1"/>
                 </a:solidFill>
@@ -3751,8 +3802,8 @@
                 <a:tailEnd/>
               </a14:hiddenLine>
             </a:ext>
-            <a:ext uri="{AF507438-7753-43E0-B8FC-AC1667EBCBE1}">
-              <a14:hiddenEffects xmlns:a14="http://schemas.microsoft.com/office/drawing/2010/main">
+            <a:ext uri="{AF507438-7753-43e0-B8FC-AC1667EBCBE1}">
+              <a14:hiddenEffects xmlns:a14="http://schemas.microsoft.com/office/drawing/2010/main" xmlns="">
                 <a:effectLst>
                   <a:outerShdw dist="35921" dir="2700000" algn="ctr" rotWithShape="0">
                     <a:schemeClr val="bg2"/>
@@ -3885,7 +3936,7 @@
         <p:spPr bwMode="auto">
           <a:xfrm>
             <a:off x="514350" y="254000"/>
-            <a:ext cx="31889700" cy="3505200"/>
+            <a:ext cx="31889700" cy="2868332"/>
           </a:xfrm>
           <a:prstGeom prst="roundRect">
             <a:avLst>
@@ -3913,8 +3964,8 @@
           </a:ln>
           <a:effectLst/>
           <a:extLst>
-            <a:ext uri="{AF507438-7753-43E0-B8FC-AC1667EBCBE1}">
-              <a14:hiddenEffects xmlns:a14="http://schemas.microsoft.com/office/drawing/2010/main">
+            <a:ext uri="{AF507438-7753-43e0-B8FC-AC1667EBCBE1}">
+              <a14:hiddenEffects xmlns:a14="http://schemas.microsoft.com/office/drawing/2010/main" xmlns="">
                 <a:effectLst>
                   <a:outerShdw dist="35921" dir="2700000" algn="ctr" rotWithShape="0">
                     <a:schemeClr val="bg2"/>
@@ -4045,7 +4096,7 @@
         <p:spPr bwMode="auto">
           <a:xfrm>
             <a:off x="914400" y="660400"/>
-            <a:ext cx="30689550" cy="2420434"/>
+            <a:ext cx="30689550" cy="2204991"/>
           </a:xfrm>
           <a:prstGeom prst="rect">
             <a:avLst/>
@@ -4056,15 +4107,15 @@
           </a:ln>
           <a:effectLst/>
           <a:extLst>
-            <a:ext uri="{909E8E84-426E-40DD-AFC4-6F175D3DCCD1}">
-              <a14:hiddenFill xmlns:a14="http://schemas.microsoft.com/office/drawing/2010/main">
+            <a:ext uri="{909E8E84-426E-40dd-AFC4-6F175D3DCCD1}">
+              <a14:hiddenFill xmlns:a14="http://schemas.microsoft.com/office/drawing/2010/main" xmlns="">
                 <a:solidFill>
                   <a:schemeClr val="accent1"/>
                 </a:solidFill>
               </a14:hiddenFill>
             </a:ext>
-            <a:ext uri="{91240B29-F687-4F45-9708-019B960494DF}">
-              <a14:hiddenLine xmlns:a14="http://schemas.microsoft.com/office/drawing/2010/main" w="9525">
+            <a:ext uri="{91240B29-F687-4f45-9708-019B960494DF}">
+              <a14:hiddenLine xmlns:a14="http://schemas.microsoft.com/office/drawing/2010/main" xmlns="" w="9525">
                 <a:solidFill>
                   <a:schemeClr val="tx1"/>
                 </a:solidFill>
@@ -4073,8 +4124,8 @@
                 <a:tailEnd/>
               </a14:hiddenLine>
             </a:ext>
-            <a:ext uri="{AF507438-7753-43E0-B8FC-AC1667EBCBE1}">
-              <a14:hiddenEffects xmlns:a14="http://schemas.microsoft.com/office/drawing/2010/main">
+            <a:ext uri="{AF507438-7753-43e0-B8FC-AC1667EBCBE1}">
+              <a14:hiddenEffects xmlns:a14="http://schemas.microsoft.com/office/drawing/2010/main" xmlns="">
                 <a:effectLst>
                   <a:outerShdw dist="35921" dir="2700000" algn="ctr" rotWithShape="0">
                     <a:schemeClr val="bg2"/>
@@ -4205,17 +4256,9 @@
               <a:t>egislative </a:t>
             </a:r>
             <a:r>
-              <a:rPr lang="en-US" altLang="en-US" sz="8900" b="1" dirty="0"/>
-              <a:t>E</a:t>
-            </a:r>
-            <a:r>
               <a:rPr lang="en-US" altLang="en-US" sz="8900" b="1" dirty="0" smtClean="0"/>
-              <a:t>lections</a:t>
-            </a:r>
-            <a:endParaRPr lang="en-US" altLang="en-US" sz="8900" b="1" dirty="0"/>
-          </a:p>
-          <a:p>
-            <a:pPr algn="ctr"/>
+              <a:t>Elections</a:t>
+            </a:r>
             <a:endParaRPr lang="en-US" altLang="en-US" sz="1400" b="1" dirty="0" smtClean="0"/>
           </a:p>
           <a:p>
@@ -4254,15 +4297,15 @@
           </a:ln>
           <a:effectLst/>
           <a:extLst>
-            <a:ext uri="{909E8E84-426E-40DD-AFC4-6F175D3DCCD1}">
-              <a14:hiddenFill xmlns:a14="http://schemas.microsoft.com/office/drawing/2010/main">
+            <a:ext uri="{909E8E84-426E-40dd-AFC4-6F175D3DCCD1}">
+              <a14:hiddenFill xmlns:a14="http://schemas.microsoft.com/office/drawing/2010/main" xmlns="">
                 <a:solidFill>
                   <a:schemeClr val="accent1"/>
                 </a:solidFill>
               </a14:hiddenFill>
             </a:ext>
-            <a:ext uri="{91240B29-F687-4F45-9708-019B960494DF}">
-              <a14:hiddenLine xmlns:a14="http://schemas.microsoft.com/office/drawing/2010/main" w="9525">
+            <a:ext uri="{91240B29-F687-4f45-9708-019B960494DF}">
+              <a14:hiddenLine xmlns:a14="http://schemas.microsoft.com/office/drawing/2010/main" xmlns="" w="9525">
                 <a:solidFill>
                   <a:schemeClr val="tx1"/>
                 </a:solidFill>
@@ -4271,8 +4314,8 @@
                 <a:tailEnd/>
               </a14:hiddenLine>
             </a:ext>
-            <a:ext uri="{AF507438-7753-43E0-B8FC-AC1667EBCBE1}">
-              <a14:hiddenEffects xmlns:a14="http://schemas.microsoft.com/office/drawing/2010/main">
+            <a:ext uri="{AF507438-7753-43e0-B8FC-AC1667EBCBE1}">
+              <a14:hiddenEffects xmlns:a14="http://schemas.microsoft.com/office/drawing/2010/main" xmlns="">
                 <a:effectLst>
                   <a:outerShdw dist="35921" dir="2700000" algn="ctr" rotWithShape="0">
                     <a:schemeClr val="bg2"/>
@@ -4428,15 +4471,15 @@
           </a:ln>
           <a:effectLst/>
           <a:extLst>
-            <a:ext uri="{909E8E84-426E-40DD-AFC4-6F175D3DCCD1}">
-              <a14:hiddenFill xmlns:a14="http://schemas.microsoft.com/office/drawing/2010/main">
+            <a:ext uri="{909E8E84-426E-40dd-AFC4-6F175D3DCCD1}">
+              <a14:hiddenFill xmlns:a14="http://schemas.microsoft.com/office/drawing/2010/main" xmlns="">
                 <a:solidFill>
                   <a:schemeClr val="accent1"/>
                 </a:solidFill>
               </a14:hiddenFill>
             </a:ext>
-            <a:ext uri="{91240B29-F687-4F45-9708-019B960494DF}">
-              <a14:hiddenLine xmlns:a14="http://schemas.microsoft.com/office/drawing/2010/main" w="9525">
+            <a:ext uri="{91240B29-F687-4f45-9708-019B960494DF}">
+              <a14:hiddenLine xmlns:a14="http://schemas.microsoft.com/office/drawing/2010/main" xmlns="" w="9525">
                 <a:solidFill>
                   <a:schemeClr val="tx1"/>
                 </a:solidFill>
@@ -4445,8 +4488,8 @@
                 <a:tailEnd/>
               </a14:hiddenLine>
             </a:ext>
-            <a:ext uri="{AF507438-7753-43E0-B8FC-AC1667EBCBE1}">
-              <a14:hiddenEffects xmlns:a14="http://schemas.microsoft.com/office/drawing/2010/main">
+            <a:ext uri="{AF507438-7753-43e0-B8FC-AC1667EBCBE1}">
+              <a14:hiddenEffects xmlns:a14="http://schemas.microsoft.com/office/drawing/2010/main" xmlns="">
                 <a:effectLst>
                   <a:outerShdw dist="35921" dir="2700000" algn="ctr" rotWithShape="0">
                     <a:schemeClr val="bg2"/>
@@ -4581,8 +4624,8 @@
         </p:nvSpPr>
         <p:spPr bwMode="auto">
           <a:xfrm>
-            <a:off x="737704" y="14664286"/>
-            <a:ext cx="7067550" cy="5953423"/>
+            <a:off x="670295" y="13357047"/>
+            <a:ext cx="7067550" cy="7430750"/>
           </a:xfrm>
           <a:prstGeom prst="rect">
             <a:avLst/>
@@ -4593,15 +4636,15 @@
           </a:ln>
           <a:effectLst/>
           <a:extLst>
-            <a:ext uri="{909E8E84-426E-40DD-AFC4-6F175D3DCCD1}">
-              <a14:hiddenFill xmlns:a14="http://schemas.microsoft.com/office/drawing/2010/main">
+            <a:ext uri="{909E8E84-426E-40dd-AFC4-6F175D3DCCD1}">
+              <a14:hiddenFill xmlns:a14="http://schemas.microsoft.com/office/drawing/2010/main" xmlns="">
                 <a:solidFill>
                   <a:schemeClr val="bg1"/>
                 </a:solidFill>
               </a14:hiddenFill>
             </a:ext>
-            <a:ext uri="{91240B29-F687-4F45-9708-019B960494DF}">
-              <a14:hiddenLine xmlns:a14="http://schemas.microsoft.com/office/drawing/2010/main" w="57150" cmpd="thinThick">
+            <a:ext uri="{91240B29-F687-4f45-9708-019B960494DF}">
+              <a14:hiddenLine xmlns:a14="http://schemas.microsoft.com/office/drawing/2010/main" xmlns="" w="57150" cmpd="thinThick">
                 <a:solidFill>
                   <a:schemeClr val="tx1"/>
                 </a:solidFill>
@@ -4610,8 +4653,8 @@
                 <a:tailEnd/>
               </a14:hiddenLine>
             </a:ext>
-            <a:ext uri="{AF507438-7753-43E0-B8FC-AC1667EBCBE1}">
-              <a14:hiddenEffects xmlns:a14="http://schemas.microsoft.com/office/drawing/2010/main">
+            <a:ext uri="{AF507438-7753-43e0-B8FC-AC1667EBCBE1}">
+              <a14:hiddenEffects xmlns:a14="http://schemas.microsoft.com/office/drawing/2010/main" xmlns="">
                 <a:effectLst>
                   <a:outerShdw dist="35921" dir="2700000" algn="ctr" rotWithShape="0">
                     <a:schemeClr val="bg2"/>
@@ -4730,9 +4773,75 @@
             </a:pPr>
             <a:r>
               <a:rPr lang="en-US" altLang="en-US" sz="3200" dirty="0" smtClean="0">
-                <a:latin typeface="Times New Roman" pitchFamily="18" charset="0"/>
+                <a:latin typeface="+mj-lt"/>
               </a:rPr>
-              <a:t>Upper and lower districts’ voting totals for democratic and republican candidates running for a legislative seat</a:t>
+              <a:t>Upper and </a:t>
+            </a:r>
+            <a:r>
+              <a:rPr lang="en-US" altLang="en-US" sz="3200" dirty="0" smtClean="0">
+                <a:latin typeface="+mj-lt"/>
+              </a:rPr>
+              <a:t>lower house </a:t>
+            </a:r>
+            <a:r>
+              <a:rPr lang="en-US" altLang="en-US" sz="3200" dirty="0" smtClean="0">
+                <a:latin typeface="+mj-lt"/>
+              </a:rPr>
+              <a:t>districts’ voting </a:t>
+            </a:r>
+            <a:r>
+              <a:rPr lang="en-US" altLang="en-US" sz="3200" dirty="0" smtClean="0">
+                <a:latin typeface="+mj-lt"/>
+              </a:rPr>
+              <a:t>totals awarded to democratic and republican candidates for the following seats:</a:t>
+            </a:r>
+          </a:p>
+          <a:p>
+            <a:pPr marL="1511300" lvl="3" indent="-857250" eaLnBrk="0" hangingPunct="0">
+              <a:buFont typeface="Arial" charset="0"/>
+              <a:buChar char="•"/>
+            </a:pPr>
+            <a:r>
+              <a:rPr lang="en-US" altLang="en-US" sz="3200" dirty="0" smtClean="0">
+                <a:latin typeface="+mj-lt"/>
+              </a:rPr>
+              <a:t>Legislature</a:t>
+            </a:r>
+          </a:p>
+          <a:p>
+            <a:pPr marL="1511300" lvl="3" indent="-857250" eaLnBrk="0" hangingPunct="0">
+              <a:buFont typeface="Arial" charset="0"/>
+              <a:buChar char="•"/>
+            </a:pPr>
+            <a:r>
+              <a:rPr lang="en-US" altLang="en-US" sz="3200" dirty="0" smtClean="0">
+                <a:latin typeface="+mj-lt"/>
+              </a:rPr>
+              <a:t>US President</a:t>
+            </a:r>
+          </a:p>
+          <a:p>
+            <a:pPr marL="1511300" lvl="3" indent="-857250" eaLnBrk="0" hangingPunct="0">
+              <a:buFont typeface="Arial" charset="0"/>
+              <a:buChar char="•"/>
+            </a:pPr>
+            <a:r>
+              <a:rPr lang="en-US" altLang="en-US" sz="3200" dirty="0" smtClean="0">
+                <a:latin typeface="+mj-lt"/>
+              </a:rPr>
+              <a:t>California governor</a:t>
+            </a:r>
+          </a:p>
+          <a:p>
+            <a:pPr marL="1511300" lvl="3" indent="-857250" eaLnBrk="0" hangingPunct="0">
+              <a:buFont typeface="Arial" charset="0"/>
+              <a:buChar char="•"/>
+            </a:pPr>
+            <a:r>
+              <a:rPr lang="en-US" altLang="en-US" sz="3200" dirty="0" smtClean="0">
+                <a:latin typeface="+mj-lt"/>
+              </a:rPr>
+              <a:t>US Senate</a:t>
             </a:r>
           </a:p>
           <a:p>
@@ -4742,21 +4851,27 @@
             </a:pPr>
             <a:r>
               <a:rPr lang="en-US" altLang="en-US" sz="3200" dirty="0" smtClean="0">
-                <a:latin typeface="Times New Roman" pitchFamily="18" charset="0"/>
+                <a:latin typeface="+mj-lt"/>
               </a:rPr>
-              <a:t>District voting totals for democratic and republican candidates running for gubernatorial, </a:t>
-            </a:r>
-            <a:r>
-              <a:rPr lang="en-US" altLang="en-US" sz="3200" dirty="0">
-                <a:latin typeface="Times New Roman" pitchFamily="18" charset="0"/>
+              <a:t>Quarterly </a:t>
+            </a:r>
+            <a:r>
+              <a:rPr lang="en-US" altLang="en-US" sz="3200" dirty="0" smtClean="0">
+                <a:latin typeface="+mj-lt"/>
               </a:rPr>
-              <a:t>US senate, </a:t>
+              <a:t>average real personal </a:t>
             </a:r>
             <a:r>
               <a:rPr lang="en-US" altLang="en-US" sz="3200" dirty="0" smtClean="0">
-                <a:latin typeface="Times New Roman" pitchFamily="18" charset="0"/>
+                <a:latin typeface="+mj-lt"/>
               </a:rPr>
-              <a:t>and presidential offices</a:t>
+              <a:t>income (</a:t>
+            </a:r>
+            <a:r>
+              <a:rPr lang="en-US" altLang="en-US" sz="3200" dirty="0" smtClean="0">
+                <a:latin typeface="+mj-lt"/>
+              </a:rPr>
+              <a:t>national level)</a:t>
             </a:r>
           </a:p>
           <a:p>
@@ -4766,9 +4881,27 @@
             </a:pPr>
             <a:r>
               <a:rPr lang="en-US" altLang="en-US" sz="3200" dirty="0" smtClean="0">
-                <a:latin typeface="Times New Roman" pitchFamily="18" charset="0"/>
+                <a:latin typeface="+mj-lt"/>
               </a:rPr>
-              <a:t>Quarterly average real personal income (national level)</a:t>
+              <a:t>Presidential approval </a:t>
+            </a:r>
+            <a:r>
+              <a:rPr lang="en-US" altLang="en-US" sz="3200" dirty="0" smtClean="0">
+                <a:latin typeface="+mj-lt"/>
+              </a:rPr>
+              <a:t>ratings (national </a:t>
+            </a:r>
+            <a:r>
+              <a:rPr lang="en-US" altLang="en-US" sz="3200" dirty="0" smtClean="0">
+                <a:latin typeface="+mj-lt"/>
+              </a:rPr>
+              <a:t>level</a:t>
+            </a:r>
+            <a:r>
+              <a:rPr lang="en-US" altLang="en-US" sz="3200" dirty="0" smtClean="0">
+                <a:latin typeface="+mj-lt"/>
+              </a:rPr>
+              <a:t>)</a:t>
             </a:r>
           </a:p>
           <a:p>
@@ -4778,9 +4911,21 @@
             </a:pPr>
             <a:r>
               <a:rPr lang="en-US" altLang="en-US" sz="3200" dirty="0" smtClean="0">
-                <a:latin typeface="Times New Roman" pitchFamily="18" charset="0"/>
+                <a:latin typeface="+mj-lt"/>
               </a:rPr>
-              <a:t>Presidential approval ratings (national level)</a:t>
+              <a:t>Incumbency status of legislative candidates</a:t>
+            </a:r>
+          </a:p>
+          <a:p>
+            <a:pPr marL="857250" indent="-857250" eaLnBrk="0" hangingPunct="0">
+              <a:buFont typeface="Arial" charset="0"/>
+              <a:buChar char="•"/>
+            </a:pPr>
+            <a:r>
+              <a:rPr lang="en-US" altLang="en-US" sz="3200" dirty="0" smtClean="0">
+                <a:latin typeface="+mj-lt"/>
+              </a:rPr>
+              <a:t>Midterm penalty</a:t>
             </a:r>
           </a:p>
         </p:txBody>
@@ -4807,15 +4952,15 @@
           </a:ln>
           <a:effectLst/>
           <a:extLst>
-            <a:ext uri="{909E8E84-426E-40DD-AFC4-6F175D3DCCD1}">
-              <a14:hiddenFill xmlns:a14="http://schemas.microsoft.com/office/drawing/2010/main">
+            <a:ext uri="{909E8E84-426E-40dd-AFC4-6F175D3DCCD1}">
+              <a14:hiddenFill xmlns:a14="http://schemas.microsoft.com/office/drawing/2010/main" xmlns="">
                 <a:solidFill>
                   <a:schemeClr val="bg1"/>
                 </a:solidFill>
               </a14:hiddenFill>
             </a:ext>
-            <a:ext uri="{91240B29-F687-4F45-9708-019B960494DF}">
-              <a14:hiddenLine xmlns:a14="http://schemas.microsoft.com/office/drawing/2010/main" w="57150" cmpd="thinThick">
+            <a:ext uri="{91240B29-F687-4f45-9708-019B960494DF}">
+              <a14:hiddenLine xmlns:a14="http://schemas.microsoft.com/office/drawing/2010/main" xmlns="" w="57150" cmpd="thinThick">
                 <a:solidFill>
                   <a:schemeClr val="tx1"/>
                 </a:solidFill>
@@ -4824,8 +4969,8 @@
                 <a:tailEnd/>
               </a14:hiddenLine>
             </a:ext>
-            <a:ext uri="{AF507438-7753-43E0-B8FC-AC1667EBCBE1}">
-              <a14:hiddenEffects xmlns:a14="http://schemas.microsoft.com/office/drawing/2010/main">
+            <a:ext uri="{AF507438-7753-43e0-B8FC-AC1667EBCBE1}">
+              <a14:hiddenEffects xmlns:a14="http://schemas.microsoft.com/office/drawing/2010/main" xmlns="">
                 <a:effectLst>
                   <a:outerShdw dist="35921" dir="2700000" algn="ctr" rotWithShape="0">
                     <a:schemeClr val="bg2"/>
@@ -5031,8 +5176,8 @@
         </p:nvSpPr>
         <p:spPr bwMode="auto">
           <a:xfrm>
-            <a:off x="24637586" y="5646738"/>
-            <a:ext cx="7309264" cy="15384462"/>
+            <a:off x="24637586" y="6571768"/>
+            <a:ext cx="7309264" cy="2353976"/>
           </a:xfrm>
           <a:prstGeom prst="rect">
             <a:avLst/>
@@ -5043,15 +5188,15 @@
           </a:ln>
           <a:effectLst/>
           <a:extLst>
-            <a:ext uri="{909E8E84-426E-40DD-AFC4-6F175D3DCCD1}">
-              <a14:hiddenFill xmlns:a14="http://schemas.microsoft.com/office/drawing/2010/main">
+            <a:ext uri="{909E8E84-426E-40dd-AFC4-6F175D3DCCD1}">
+              <a14:hiddenFill xmlns:a14="http://schemas.microsoft.com/office/drawing/2010/main" xmlns="">
                 <a:solidFill>
                   <a:schemeClr val="bg1"/>
                 </a:solidFill>
               </a14:hiddenFill>
             </a:ext>
-            <a:ext uri="{91240B29-F687-4F45-9708-019B960494DF}">
-              <a14:hiddenLine xmlns:a14="http://schemas.microsoft.com/office/drawing/2010/main" w="57150" cmpd="thinThick">
+            <a:ext uri="{91240B29-F687-4f45-9708-019B960494DF}">
+              <a14:hiddenLine xmlns:a14="http://schemas.microsoft.com/office/drawing/2010/main" xmlns="" w="57150" cmpd="thinThick">
                 <a:solidFill>
                   <a:schemeClr val="tx1"/>
                 </a:solidFill>
@@ -5060,8 +5205,8 @@
                 <a:tailEnd/>
               </a14:hiddenLine>
             </a:ext>
-            <a:ext uri="{AF507438-7753-43E0-B8FC-AC1667EBCBE1}">
-              <a14:hiddenEffects xmlns:a14="http://schemas.microsoft.com/office/drawing/2010/main">
+            <a:ext uri="{AF507438-7753-43e0-B8FC-AC1667EBCBE1}">
+              <a14:hiddenEffects xmlns:a14="http://schemas.microsoft.com/office/drawing/2010/main" xmlns="">
                 <a:effectLst>
                   <a:outerShdw dist="35921" dir="2700000" algn="ctr" rotWithShape="0">
                     <a:schemeClr val="bg2"/>
@@ -5174,12 +5319,52 @@
             </a:lvl9pPr>
           </a:lstStyle>
           <a:p>
-            <a:pPr eaLnBrk="0" hangingPunct="0">
+            <a:pPr marL="669925" lvl="1" indent="-342900" eaLnBrk="0" hangingPunct="0">
               <a:lnSpc>
                 <a:spcPct val="95000"/>
               </a:lnSpc>
+              <a:buFont typeface="Arial"/>
+              <a:buChar char="•"/>
             </a:pPr>
-            <a:endParaRPr lang="en-US" altLang="en-US" sz="2000" dirty="0">
+            <a:r>
+              <a:rPr lang="en-US" altLang="en-US" sz="2400" b="1" dirty="0"/>
+              <a:t>Big Picture</a:t>
+            </a:r>
+          </a:p>
+          <a:p>
+            <a:pPr marL="995363" lvl="2" indent="-342900" eaLnBrk="0" hangingPunct="0">
+              <a:lnSpc>
+                <a:spcPct val="95000"/>
+              </a:lnSpc>
+              <a:buFont typeface="Arial"/>
+              <a:buChar char="•"/>
+            </a:pPr>
+            <a:r>
+              <a:rPr lang="en-US" altLang="en-US" sz="2400" dirty="0"/>
+              <a:t>Many of these ‘factors’ can be used as covariates in a Mixed Effects Model to predict the probability of a democratic candidate winning an upcoming election.</a:t>
+            </a:r>
+          </a:p>
+          <a:p>
+            <a:pPr marL="342900" indent="-342900" eaLnBrk="0" hangingPunct="0">
+              <a:lnSpc>
+                <a:spcPct val="95000"/>
+              </a:lnSpc>
+              <a:buFont typeface="Arial"/>
+              <a:buChar char="•"/>
+            </a:pPr>
+            <a:endParaRPr lang="en-US" altLang="en-US" sz="1900" dirty="0">
+              <a:latin typeface="Times New Roman" pitchFamily="18" charset="0"/>
+            </a:endParaRPr>
+          </a:p>
+          <a:p>
+            <a:pPr marL="669925" lvl="1" indent="-342900" eaLnBrk="0" hangingPunct="0">
+              <a:lnSpc>
+                <a:spcPct val="95000"/>
+              </a:lnSpc>
+              <a:buFont typeface="Arial"/>
+              <a:buChar char="•"/>
+            </a:pPr>
+            <a:endParaRPr lang="en-US" altLang="en-US" sz="1900" dirty="0">
               <a:latin typeface="Times New Roman" pitchFamily="18" charset="0"/>
             </a:endParaRPr>
           </a:p>
@@ -5195,7 +5380,7 @@
         </p:nvSpPr>
         <p:spPr bwMode="auto">
           <a:xfrm>
-            <a:off x="628650" y="4368800"/>
+            <a:off x="585304" y="3415483"/>
             <a:ext cx="7372350" cy="996950"/>
           </a:xfrm>
           <a:prstGeom prst="rect">
@@ -5207,15 +5392,15 @@
           </a:ln>
           <a:effectLst/>
           <a:extLst>
-            <a:ext uri="{909E8E84-426E-40DD-AFC4-6F175D3DCCD1}">
-              <a14:hiddenFill xmlns:a14="http://schemas.microsoft.com/office/drawing/2010/main">
+            <a:ext uri="{909E8E84-426E-40dd-AFC4-6F175D3DCCD1}">
+              <a14:hiddenFill xmlns:a14="http://schemas.microsoft.com/office/drawing/2010/main" xmlns="">
                 <a:solidFill>
                   <a:schemeClr val="accent1"/>
                 </a:solidFill>
               </a14:hiddenFill>
             </a:ext>
-            <a:ext uri="{91240B29-F687-4F45-9708-019B960494DF}">
-              <a14:hiddenLine xmlns:a14="http://schemas.microsoft.com/office/drawing/2010/main" w="9525">
+            <a:ext uri="{91240B29-F687-4f45-9708-019B960494DF}">
+              <a14:hiddenLine xmlns:a14="http://schemas.microsoft.com/office/drawing/2010/main" xmlns="" w="9525">
                 <a:solidFill>
                   <a:schemeClr val="tx1"/>
                 </a:solidFill>
@@ -5224,8 +5409,8 @@
                 <a:tailEnd/>
               </a14:hiddenLine>
             </a:ext>
-            <a:ext uri="{AF507438-7753-43E0-B8FC-AC1667EBCBE1}">
-              <a14:hiddenEffects xmlns:a14="http://schemas.microsoft.com/office/drawing/2010/main">
+            <a:ext uri="{AF507438-7753-43e0-B8FC-AC1667EBCBE1}">
+              <a14:hiddenEffects xmlns:a14="http://schemas.microsoft.com/office/drawing/2010/main" xmlns="">
                 <a:effectLst>
                   <a:outerShdw dist="35921" dir="2700000" algn="ctr" rotWithShape="0">
                     <a:schemeClr val="bg2"/>
@@ -5372,15 +5557,15 @@
           </a:ln>
           <a:effectLst/>
           <a:extLst>
-            <a:ext uri="{909E8E84-426E-40DD-AFC4-6F175D3DCCD1}">
-              <a14:hiddenFill xmlns:a14="http://schemas.microsoft.com/office/drawing/2010/main">
+            <a:ext uri="{909E8E84-426E-40dd-AFC4-6F175D3DCCD1}">
+              <a14:hiddenFill xmlns:a14="http://schemas.microsoft.com/office/drawing/2010/main" xmlns="">
                 <a:solidFill>
                   <a:schemeClr val="accent1"/>
                 </a:solidFill>
               </a14:hiddenFill>
             </a:ext>
-            <a:ext uri="{91240B29-F687-4F45-9708-019B960494DF}">
-              <a14:hiddenLine xmlns:a14="http://schemas.microsoft.com/office/drawing/2010/main" w="9525">
+            <a:ext uri="{91240B29-F687-4f45-9708-019B960494DF}">
+              <a14:hiddenLine xmlns:a14="http://schemas.microsoft.com/office/drawing/2010/main" xmlns="" w="9525">
                 <a:solidFill>
                   <a:schemeClr val="tx1"/>
                 </a:solidFill>
@@ -5389,8 +5574,8 @@
                 <a:tailEnd/>
               </a14:hiddenLine>
             </a:ext>
-            <a:ext uri="{AF507438-7753-43E0-B8FC-AC1667EBCBE1}">
-              <a14:hiddenEffects xmlns:a14="http://schemas.microsoft.com/office/drawing/2010/main">
+            <a:ext uri="{AF507438-7753-43e0-B8FC-AC1667EBCBE1}">
+              <a14:hiddenEffects xmlns:a14="http://schemas.microsoft.com/office/drawing/2010/main" xmlns="">
                 <a:effectLst>
                   <a:outerShdw dist="35921" dir="2700000" algn="ctr" rotWithShape="0">
                     <a:schemeClr val="bg2"/>
@@ -5538,15 +5723,15 @@
           </a:ln>
           <a:effectLst/>
           <a:extLst>
-            <a:ext uri="{909E8E84-426E-40DD-AFC4-6F175D3DCCD1}">
-              <a14:hiddenFill xmlns:a14="http://schemas.microsoft.com/office/drawing/2010/main">
+            <a:ext uri="{909E8E84-426E-40dd-AFC4-6F175D3DCCD1}">
+              <a14:hiddenFill xmlns:a14="http://schemas.microsoft.com/office/drawing/2010/main" xmlns="">
                 <a:solidFill>
                   <a:schemeClr val="accent1"/>
                 </a:solidFill>
               </a14:hiddenFill>
             </a:ext>
-            <a:ext uri="{91240B29-F687-4F45-9708-019B960494DF}">
-              <a14:hiddenLine xmlns:a14="http://schemas.microsoft.com/office/drawing/2010/main" w="9525">
+            <a:ext uri="{91240B29-F687-4f45-9708-019B960494DF}">
+              <a14:hiddenLine xmlns:a14="http://schemas.microsoft.com/office/drawing/2010/main" xmlns="" w="9525">
                 <a:solidFill>
                   <a:schemeClr val="tx1"/>
                 </a:solidFill>
@@ -5555,8 +5740,8 @@
                 <a:tailEnd/>
               </a14:hiddenLine>
             </a:ext>
-            <a:ext uri="{AF507438-7753-43E0-B8FC-AC1667EBCBE1}">
-              <a14:hiddenEffects xmlns:a14="http://schemas.microsoft.com/office/drawing/2010/main">
+            <a:ext uri="{AF507438-7753-43e0-B8FC-AC1667EBCBE1}">
+              <a14:hiddenEffects xmlns:a14="http://schemas.microsoft.com/office/drawing/2010/main" xmlns="">
                 <a:effectLst>
                   <a:outerShdw dist="35921" dir="2700000" algn="ctr" rotWithShape="0">
                     <a:schemeClr val="bg2"/>
@@ -5712,8 +5897,8 @@
         </p:blipFill>
         <p:spPr>
           <a:xfrm>
-            <a:off x="9172925" y="5637632"/>
-            <a:ext cx="5152865" cy="3680618"/>
+            <a:off x="9172926" y="4566680"/>
+            <a:ext cx="6106192" cy="4361566"/>
           </a:xfrm>
           <a:prstGeom prst="rect">
             <a:avLst/>
@@ -5742,8 +5927,8 @@
         </p:blipFill>
         <p:spPr>
           <a:xfrm>
-            <a:off x="16799663" y="5577568"/>
-            <a:ext cx="5743348" cy="4102391"/>
+            <a:off x="9172925" y="9189454"/>
+            <a:ext cx="5834631" cy="4167593"/>
           </a:xfrm>
           <a:prstGeom prst="rect">
             <a:avLst/>
@@ -5774,11 +5959,15 @@
           <a:p>
             <a:r>
               <a:rPr lang="en-US" b="1" dirty="0" smtClean="0"/>
-              <a:t>2018 </a:t>
-            </a:r>
-            <a:r>
-              <a:rPr lang="en-US" b="1" smtClean="0"/>
-              <a:t>Election results forecast</a:t>
+              <a:t>2018 Election Results </a:t>
+            </a:r>
+            <a:r>
+              <a:rPr lang="en-US" b="1" dirty="0"/>
+              <a:t>F</a:t>
+            </a:r>
+            <a:r>
+              <a:rPr lang="en-US" b="1" dirty="0" smtClean="0"/>
+              <a:t>orecast</a:t>
             </a:r>
             <a:endParaRPr lang="en-US" dirty="0"/>
           </a:p>
@@ -5818,7 +6007,7 @@
         </p:nvSpPr>
         <p:spPr>
           <a:xfrm>
-            <a:off x="8686800" y="4642475"/>
+            <a:off x="11522116" y="3599173"/>
             <a:ext cx="9474117" cy="769441"/>
           </a:xfrm>
           <a:prstGeom prst="rect">
@@ -6104,8 +6293,8 @@
         </a:ln>
         <a:effectLst/>
         <a:extLst>
-          <a:ext uri="{AF507438-7753-43E0-B8FC-AC1667EBCBE1}">
-            <a14:hiddenEffects xmlns:a14="http://schemas.microsoft.com/office/drawing/2010/main">
+          <a:ext uri="{AF507438-7753-43e0-B8FC-AC1667EBCBE1}">
+            <a14:hiddenEffects xmlns:a14="http://schemas.microsoft.com/office/drawing/2010/main" xmlns="">
               <a:effectLst>
                 <a:outerShdw dist="35921" dir="2700000" algn="ctr" rotWithShape="0">
                   <a:schemeClr val="bg2"/>
@@ -6154,8 +6343,8 @@
         </a:ln>
         <a:effectLst/>
         <a:extLst>
-          <a:ext uri="{AF507438-7753-43E0-B8FC-AC1667EBCBE1}">
-            <a14:hiddenEffects xmlns:a14="http://schemas.microsoft.com/office/drawing/2010/main">
+          <a:ext uri="{AF507438-7753-43e0-B8FC-AC1667EBCBE1}">
+            <a14:hiddenEffects xmlns:a14="http://schemas.microsoft.com/office/drawing/2010/main" xmlns="">
               <a:effectLst>
                 <a:outerShdw dist="35921" dir="2700000" algn="ctr" rotWithShape="0">
                   <a:schemeClr val="bg2"/>

--- a/FinalProject/CA_presentation.pptx
+++ b/FinalProject/CA_presentation.pptx
@@ -139,7 +139,7 @@
   </p:defaultTextStyle>
   <p:extLst>
     <p:ext uri="{EFAFB233-063F-42B5-8137-9DF3F51BA10A}">
-      <p15:sldGuideLst xmlns:p15="http://schemas.microsoft.com/office/powerpoint/2012/main">
+      <p15:sldGuideLst xmlns:p15="http://schemas.microsoft.com/office/powerpoint/2012/main" xmlns="">
         <p15:guide id="1" orient="horz" pos="3224">
           <p15:clr>
             <a:srgbClr val="A4A3A4"/>
@@ -216,14 +216,14 @@
           <a:effectLst/>
           <a:extLst>
             <a:ext uri="{909E8E84-426E-40dd-AFC4-6F175D3DCCD1}">
-              <a14:hiddenFill xmlns:a14="http://schemas.microsoft.com/office/drawing/2010/main" xmlns="">
+              <a14:hiddenFill xmlns:a14="http://schemas.microsoft.com/office/drawing/2010/main">
                 <a:solidFill>
                   <a:schemeClr val="accent1"/>
                 </a:solidFill>
               </a14:hiddenFill>
             </a:ext>
             <a:ext uri="{91240B29-F687-4f45-9708-019B960494DF}">
-              <a14:hiddenLine xmlns:a14="http://schemas.microsoft.com/office/drawing/2010/main" xmlns="" w="9525">
+              <a14:hiddenLine xmlns:a14="http://schemas.microsoft.com/office/drawing/2010/main" w="9525">
                 <a:solidFill>
                   <a:schemeClr val="tx1"/>
                 </a:solidFill>
@@ -233,7 +233,7 @@
               </a14:hiddenLine>
             </a:ext>
             <a:ext uri="{AF507438-7753-43e0-B8FC-AC1667EBCBE1}">
-              <a14:hiddenEffects xmlns:a14="http://schemas.microsoft.com/office/drawing/2010/main" xmlns="">
+              <a14:hiddenEffects xmlns:a14="http://schemas.microsoft.com/office/drawing/2010/main">
                 <a:effectLst>
                   <a:outerShdw dist="35921" dir="2700000" algn="ctr" rotWithShape="0">
                     <a:schemeClr val="bg2"/>
@@ -284,14 +284,14 @@
           <a:effectLst/>
           <a:extLst>
             <a:ext uri="{909E8E84-426E-40dd-AFC4-6F175D3DCCD1}">
-              <a14:hiddenFill xmlns:a14="http://schemas.microsoft.com/office/drawing/2010/main" xmlns="">
+              <a14:hiddenFill xmlns:a14="http://schemas.microsoft.com/office/drawing/2010/main">
                 <a:solidFill>
                   <a:schemeClr val="accent1"/>
                 </a:solidFill>
               </a14:hiddenFill>
             </a:ext>
             <a:ext uri="{91240B29-F687-4f45-9708-019B960494DF}">
-              <a14:hiddenLine xmlns:a14="http://schemas.microsoft.com/office/drawing/2010/main" xmlns="" w="9525">
+              <a14:hiddenLine xmlns:a14="http://schemas.microsoft.com/office/drawing/2010/main" w="9525">
                 <a:solidFill>
                   <a:schemeClr val="tx1"/>
                 </a:solidFill>
@@ -301,7 +301,7 @@
               </a14:hiddenLine>
             </a:ext>
             <a:ext uri="{AF507438-7753-43e0-B8FC-AC1667EBCBE1}">
-              <a14:hiddenEffects xmlns:a14="http://schemas.microsoft.com/office/drawing/2010/main" xmlns="">
+              <a14:hiddenEffects xmlns:a14="http://schemas.microsoft.com/office/drawing/2010/main">
                 <a:effectLst>
                   <a:outerShdw dist="35921" dir="2700000" algn="ctr" rotWithShape="0">
                     <a:schemeClr val="bg2"/>
@@ -357,7 +357,7 @@
           <a:effectLst/>
           <a:extLst>
             <a:ext uri="{AF507438-7753-43e0-B8FC-AC1667EBCBE1}">
-              <a14:hiddenEffects xmlns:a14="http://schemas.microsoft.com/office/drawing/2010/main" xmlns="">
+              <a14:hiddenEffects xmlns:a14="http://schemas.microsoft.com/office/drawing/2010/main">
                 <a:effectLst>
                   <a:outerShdw dist="35921" dir="2700000" algn="ctr" rotWithShape="0">
                     <a:srgbClr val="808080"/>
@@ -366,7 +366,7 @@
               </a14:hiddenEffects>
             </a:ext>
             <a:ext uri="{53640926-AAD7-44d8-BBD7-CCE9431645EC}">
-              <a14:shadowObscured xmlns:a14="http://schemas.microsoft.com/office/drawing/2010/main" xmlns="" val="1"/>
+              <a14:shadowObscured xmlns:a14="http://schemas.microsoft.com/office/drawing/2010/main" val="1"/>
             </a:ext>
           </a:extLst>
         </p:spPr>
@@ -396,14 +396,14 @@
           <a:effectLst/>
           <a:extLst>
             <a:ext uri="{909E8E84-426E-40dd-AFC4-6F175D3DCCD1}">
-              <a14:hiddenFill xmlns:a14="http://schemas.microsoft.com/office/drawing/2010/main" xmlns="">
+              <a14:hiddenFill xmlns:a14="http://schemas.microsoft.com/office/drawing/2010/main">
                 <a:solidFill>
                   <a:schemeClr val="accent1"/>
                 </a:solidFill>
               </a14:hiddenFill>
             </a:ext>
             <a:ext uri="{91240B29-F687-4f45-9708-019B960494DF}">
-              <a14:hiddenLine xmlns:a14="http://schemas.microsoft.com/office/drawing/2010/main" xmlns="" w="9525">
+              <a14:hiddenLine xmlns:a14="http://schemas.microsoft.com/office/drawing/2010/main" w="9525">
                 <a:solidFill>
                   <a:schemeClr val="tx1"/>
                 </a:solidFill>
@@ -413,7 +413,7 @@
               </a14:hiddenLine>
             </a:ext>
             <a:ext uri="{AF507438-7753-43e0-B8FC-AC1667EBCBE1}">
-              <a14:hiddenEffects xmlns:a14="http://schemas.microsoft.com/office/drawing/2010/main" xmlns="">
+              <a14:hiddenEffects xmlns:a14="http://schemas.microsoft.com/office/drawing/2010/main">
                 <a:effectLst>
                   <a:outerShdw dist="35921" dir="2700000" algn="ctr" rotWithShape="0">
                     <a:schemeClr val="bg2"/>
@@ -492,14 +492,14 @@
           <a:effectLst/>
           <a:extLst>
             <a:ext uri="{909E8E84-426E-40dd-AFC4-6F175D3DCCD1}">
-              <a14:hiddenFill xmlns:a14="http://schemas.microsoft.com/office/drawing/2010/main" xmlns="">
+              <a14:hiddenFill xmlns:a14="http://schemas.microsoft.com/office/drawing/2010/main">
                 <a:solidFill>
                   <a:schemeClr val="accent1"/>
                 </a:solidFill>
               </a14:hiddenFill>
             </a:ext>
             <a:ext uri="{91240B29-F687-4f45-9708-019B960494DF}">
-              <a14:hiddenLine xmlns:a14="http://schemas.microsoft.com/office/drawing/2010/main" xmlns="" w="9525">
+              <a14:hiddenLine xmlns:a14="http://schemas.microsoft.com/office/drawing/2010/main" w="9525">
                 <a:solidFill>
                   <a:schemeClr val="tx1"/>
                 </a:solidFill>
@@ -509,7 +509,7 @@
               </a14:hiddenLine>
             </a:ext>
             <a:ext uri="{AF507438-7753-43e0-B8FC-AC1667EBCBE1}">
-              <a14:hiddenEffects xmlns:a14="http://schemas.microsoft.com/office/drawing/2010/main" xmlns="">
+              <a14:hiddenEffects xmlns:a14="http://schemas.microsoft.com/office/drawing/2010/main">
                 <a:effectLst>
                   <a:outerShdw dist="35921" dir="2700000" algn="ctr" rotWithShape="0">
                     <a:schemeClr val="bg2"/>
@@ -560,14 +560,14 @@
           <a:effectLst/>
           <a:extLst>
             <a:ext uri="{909E8E84-426E-40dd-AFC4-6F175D3DCCD1}">
-              <a14:hiddenFill xmlns:a14="http://schemas.microsoft.com/office/drawing/2010/main" xmlns="">
+              <a14:hiddenFill xmlns:a14="http://schemas.microsoft.com/office/drawing/2010/main">
                 <a:solidFill>
                   <a:schemeClr val="accent1"/>
                 </a:solidFill>
               </a14:hiddenFill>
             </a:ext>
             <a:ext uri="{91240B29-F687-4f45-9708-019B960494DF}">
-              <a14:hiddenLine xmlns:a14="http://schemas.microsoft.com/office/drawing/2010/main" xmlns="" w="9525">
+              <a14:hiddenLine xmlns:a14="http://schemas.microsoft.com/office/drawing/2010/main" w="9525">
                 <a:solidFill>
                   <a:schemeClr val="tx1"/>
                 </a:solidFill>
@@ -577,7 +577,7 @@
               </a14:hiddenLine>
             </a:ext>
             <a:ext uri="{AF507438-7753-43e0-B8FC-AC1667EBCBE1}">
-              <a14:hiddenEffects xmlns:a14="http://schemas.microsoft.com/office/drawing/2010/main" xmlns="">
+              <a14:hiddenEffects xmlns:a14="http://schemas.microsoft.com/office/drawing/2010/main">
                 <a:effectLst>
                   <a:outerShdw dist="35921" dir="2700000" algn="ctr" rotWithShape="0">
                     <a:schemeClr val="bg2"/>
@@ -2614,7 +2614,7 @@
           <a:graphicData uri="http://schemas.openxmlformats.org/presentationml/2006/ole">
             <mc:AlternateContent xmlns:mc="http://schemas.openxmlformats.org/markup-compatibility/2006">
               <mc:Choice xmlns:v="urn:schemas-microsoft-com:vml" Requires="v">
-                <p:oleObj spid="_x0000_s1060" name="CorelDRAW" r:id="rId14" imgW="8828280" imgH="313200" progId="CorelDRAW.Graphic.13">
+                <p:oleObj spid="_x0000_s1066" name="CorelDRAW" r:id="rId14" imgW="8828280" imgH="313200" progId="CorelDRAW.Graphic.13">
                   <p:embed/>
                 </p:oleObj>
               </mc:Choice>
@@ -2657,14 +2657,14 @@
                       <a:effectLst/>
                       <a:extLst>
                         <a:ext uri="{909E8E84-426E-40dd-AFC4-6F175D3DCCD1}">
-                          <a14:hiddenFill xmlns:a14="http://schemas.microsoft.com/office/drawing/2010/main" xmlns="">
+                          <a14:hiddenFill xmlns:a14="http://schemas.microsoft.com/office/drawing/2010/main">
                             <a:solidFill>
                               <a:schemeClr val="bg1"/>
                             </a:solidFill>
                           </a14:hiddenFill>
                         </a:ext>
                         <a:ext uri="{91240B29-F687-4f45-9708-019B960494DF}">
-                          <a14:hiddenLine xmlns:a14="http://schemas.microsoft.com/office/drawing/2010/main" xmlns="" w="9525" algn="ctr">
+                          <a14:hiddenLine xmlns:a14="http://schemas.microsoft.com/office/drawing/2010/main" w="9525" algn="ctr">
                             <a:solidFill>
                               <a:schemeClr val="tx1"/>
                             </a:solidFill>
@@ -2674,7 +2674,7 @@
                           </a14:hiddenLine>
                         </a:ext>
                         <a:ext uri="{AF507438-7753-43e0-B8FC-AC1667EBCBE1}">
-                          <a14:hiddenEffects xmlns:a14="http://schemas.microsoft.com/office/drawing/2010/main" xmlns="">
+                          <a14:hiddenEffects xmlns:a14="http://schemas.microsoft.com/office/drawing/2010/main">
                             <a:effectLst>
                               <a:outerShdw dist="35921" dir="2700000" algn="ctr" rotWithShape="0">
                                 <a:schemeClr val="bg2"/>
@@ -3132,26 +3132,40 @@
           <a:prstGeom prst="roundRect">
             <a:avLst/>
           </a:prstGeom>
-          <a:solidFill>
-            <a:schemeClr val="bg1"/>
-          </a:solidFill>
-          <a:ln w="9525">
-            <a:solidFill>
-              <a:schemeClr val="tx1"/>
-            </a:solidFill>
-            <a:round/>
+          <a:ln>
             <a:headEnd/>
             <a:tailEnd/>
           </a:ln>
-          <a:effectLst/>
           <a:extLst/>
         </p:spPr>
+        <p:style>
+          <a:lnRef idx="2">
+            <a:schemeClr val="dk1"/>
+          </a:lnRef>
+          <a:fillRef idx="1">
+            <a:schemeClr val="lt1"/>
+          </a:fillRef>
+          <a:effectRef idx="0">
+            <a:schemeClr val="dk1"/>
+          </a:effectRef>
+          <a:fontRef idx="minor">
+            <a:schemeClr val="dk1"/>
+          </a:fontRef>
+        </p:style>
         <p:txBody>
           <a:bodyPr wrap="none" lIns="65306" tIns="32653" rIns="65306" bIns="32653" rtlCol="0" anchor="ctr"/>
           <a:lstStyle/>
           <a:p>
             <a:pPr algn="ctr"/>
-            <a:endParaRPr lang="en-US">
+            <a:r>
+              <a:rPr lang="en-US" dirty="0" smtClean="0">
+                <a:solidFill>
+                  <a:schemeClr val="bg1"/>
+                </a:solidFill>
+              </a:rPr>
+              <a:t>g</a:t>
+            </a:r>
+            <a:endParaRPr lang="en-US" dirty="0">
               <a:solidFill>
                 <a:schemeClr val="bg1"/>
               </a:solidFill>
@@ -3232,7 +3246,7 @@
           <a:effectLst/>
           <a:extLst>
             <a:ext uri="{AF507438-7753-43e0-B8FC-AC1667EBCBE1}">
-              <a14:hiddenEffects xmlns:a14="http://schemas.microsoft.com/office/drawing/2010/main" xmlns="">
+              <a14:hiddenEffects xmlns:a14="http://schemas.microsoft.com/office/drawing/2010/main">
                 <a:effectLst>
                   <a:outerShdw dist="35921" dir="2700000" algn="ctr" rotWithShape="0">
                     <a:schemeClr val="bg2"/>
@@ -3282,7 +3296,7 @@
           <a:effectLst/>
           <a:extLst>
             <a:ext uri="{AF507438-7753-43e0-B8FC-AC1667EBCBE1}">
-              <a14:hiddenEffects xmlns:a14="http://schemas.microsoft.com/office/drawing/2010/main" xmlns="">
+              <a14:hiddenEffects xmlns:a14="http://schemas.microsoft.com/office/drawing/2010/main">
                 <a:effectLst>
                   <a:outerShdw dist="35921" dir="2700000" algn="ctr" rotWithShape="0">
                     <a:schemeClr val="bg2"/>
@@ -3310,8 +3324,8 @@
         </p:nvSpPr>
         <p:spPr bwMode="auto">
           <a:xfrm>
-            <a:off x="676275" y="4566680"/>
-            <a:ext cx="7334250" cy="6206086"/>
+            <a:off x="615800" y="4365090"/>
+            <a:ext cx="7334250" cy="4747225"/>
           </a:xfrm>
           <a:prstGeom prst="rect">
             <a:avLst/>
@@ -3323,14 +3337,14 @@
           <a:effectLst/>
           <a:extLst>
             <a:ext uri="{909E8E84-426E-40dd-AFC4-6F175D3DCCD1}">
-              <a14:hiddenFill xmlns:a14="http://schemas.microsoft.com/office/drawing/2010/main" xmlns="">
+              <a14:hiddenFill xmlns:a14="http://schemas.microsoft.com/office/drawing/2010/main">
                 <a:solidFill>
                   <a:schemeClr val="accent1"/>
                 </a:solidFill>
               </a14:hiddenFill>
             </a:ext>
             <a:ext uri="{91240B29-F687-4f45-9708-019B960494DF}">
-              <a14:hiddenLine xmlns:a14="http://schemas.microsoft.com/office/drawing/2010/main" xmlns="" w="9525">
+              <a14:hiddenLine xmlns:a14="http://schemas.microsoft.com/office/drawing/2010/main" w="9525">
                 <a:solidFill>
                   <a:schemeClr val="tx1"/>
                 </a:solidFill>
@@ -3340,7 +3354,7 @@
               </a14:hiddenLine>
             </a:ext>
             <a:ext uri="{AF507438-7753-43e0-B8FC-AC1667EBCBE1}">
-              <a14:hiddenEffects xmlns:a14="http://schemas.microsoft.com/office/drawing/2010/main" xmlns="">
+              <a14:hiddenEffects xmlns:a14="http://schemas.microsoft.com/office/drawing/2010/main">
                 <a:effectLst>
                   <a:outerShdw dist="35921" dir="2700000" algn="ctr" rotWithShape="0">
                     <a:schemeClr val="bg2"/>
@@ -3464,13 +3478,7 @@
               <a:rPr lang="en-US" altLang="en-US" sz="3600" b="1" dirty="0" smtClean="0">
                 <a:latin typeface="+mj-lt"/>
               </a:rPr>
-              <a:t>California State </a:t>
-            </a:r>
-            <a:r>
-              <a:rPr lang="en-US" altLang="en-US" sz="3600" b="1" dirty="0" smtClean="0">
-                <a:latin typeface="+mj-lt"/>
-              </a:rPr>
-              <a:t>Legislature</a:t>
+              <a:t>California State Legislature</a:t>
             </a:r>
           </a:p>
           <a:p>
@@ -3482,22 +3490,10 @@
               <a:buChar char="•"/>
             </a:pPr>
             <a:r>
-              <a:rPr lang="en-US" altLang="en-US" sz="3600" dirty="0" smtClean="0">
+              <a:rPr lang="en-US" altLang="en-US" sz="3200" dirty="0" smtClean="0">
                 <a:latin typeface="+mj-lt"/>
               </a:rPr>
-              <a:t>Senate</a:t>
-            </a:r>
-            <a:r>
-              <a:rPr lang="en-US" altLang="en-US" sz="3600" dirty="0" smtClean="0">
-                <a:latin typeface="+mj-lt"/>
-              </a:rPr>
-              <a:t>: 40 Seats (4 year term</a:t>
-            </a:r>
-            <a:r>
-              <a:rPr lang="en-US" altLang="en-US" sz="3600" dirty="0" smtClean="0">
-                <a:latin typeface="+mj-lt"/>
-              </a:rPr>
-              <a:t>)</a:t>
+              <a:t>Senate: 40 Seats (4 year term)</a:t>
             </a:r>
           </a:p>
           <a:p>
@@ -3509,26 +3505,29 @@
               <a:buChar char="•"/>
             </a:pPr>
             <a:r>
-              <a:rPr lang="en-US" altLang="en-US" sz="3600" dirty="0" smtClean="0">
+              <a:rPr lang="en-US" altLang="en-US" sz="3200" dirty="0" smtClean="0">
                 <a:latin typeface="+mj-lt"/>
               </a:rPr>
-              <a:t> House/Assembly</a:t>
-            </a:r>
-            <a:r>
-              <a:rPr lang="en-US" altLang="en-US" sz="3600" dirty="0" smtClean="0">
+              <a:t> House/Assembly: 80 Seats (2 year term) </a:t>
+            </a:r>
+            <a:endParaRPr lang="en-US" altLang="en-US" sz="3600" dirty="0" smtClean="0">
+              <a:latin typeface="+mj-lt"/>
+            </a:endParaRPr>
+          </a:p>
+          <a:p>
+            <a:pPr marL="342900" indent="-342900" eaLnBrk="0" hangingPunct="0">
+              <a:lnSpc>
+                <a:spcPct val="95000"/>
+              </a:lnSpc>
+              <a:buFont typeface="Arial"/>
+              <a:buChar char="•"/>
+            </a:pPr>
+            <a:r>
+              <a:rPr lang="en-US" altLang="en-US" sz="3600" b="1" dirty="0" smtClean="0">
                 <a:latin typeface="+mj-lt"/>
               </a:rPr>
-              <a:t>: 80 Seats (2 year term</a:t>
-            </a:r>
-            <a:r>
-              <a:rPr lang="en-US" altLang="en-US" sz="3600" dirty="0" smtClean="0">
-                <a:latin typeface="+mj-lt"/>
-              </a:rPr>
-              <a:t>) </a:t>
-            </a:r>
-            <a:endParaRPr lang="en-US" altLang="en-US" sz="3600" dirty="0">
-              <a:latin typeface="+mj-lt"/>
-            </a:endParaRPr>
+              <a:t>State Partisanship</a:t>
+            </a:r>
           </a:p>
           <a:p>
             <a:pPr marL="669925" lvl="1" indent="-342900" eaLnBrk="0" hangingPunct="0">
@@ -3538,35 +3537,8 @@
               <a:buFont typeface="Arial"/>
               <a:buChar char="•"/>
             </a:pPr>
-            <a:endParaRPr lang="en-US" altLang="en-US" sz="3600" dirty="0" smtClean="0">
-              <a:latin typeface="+mj-lt"/>
-            </a:endParaRPr>
-          </a:p>
-          <a:p>
-            <a:pPr marL="342900" indent="-342900" eaLnBrk="0" hangingPunct="0">
-              <a:lnSpc>
-                <a:spcPct val="95000"/>
-              </a:lnSpc>
-              <a:buFont typeface="Arial"/>
-              <a:buChar char="•"/>
-            </a:pPr>
-            <a:r>
-              <a:rPr lang="en-US" altLang="en-US" sz="3600" b="1" dirty="0" smtClean="0">
-                <a:latin typeface="+mj-lt"/>
-              </a:rPr>
-              <a:t>State Partisanship</a:t>
-            </a:r>
-          </a:p>
-          <a:p>
-            <a:pPr marL="669925" lvl="1" indent="-342900" eaLnBrk="0" hangingPunct="0">
-              <a:lnSpc>
-                <a:spcPct val="95000"/>
-              </a:lnSpc>
-              <a:buFont typeface="Arial"/>
-              <a:buChar char="•"/>
-            </a:pPr>
-            <a:r>
-              <a:rPr lang="en-US" altLang="en-US" sz="3600" dirty="0" smtClean="0">
+            <a:r>
+              <a:rPr lang="en-US" altLang="en-US" sz="3200" dirty="0" smtClean="0">
                 <a:latin typeface="+mj-lt"/>
               </a:rPr>
               <a:t>48 out of 80 assembly districts and 25 out of 40 senate districts have elected Democrats more times than Republicans since 1974</a:t>
@@ -3596,8 +3568,8 @@
         </p:nvSpPr>
         <p:spPr bwMode="auto">
           <a:xfrm>
-            <a:off x="514350" y="11063957"/>
-            <a:ext cx="7372350" cy="1835659"/>
+            <a:off x="514350" y="9209329"/>
+            <a:ext cx="7372350" cy="1004662"/>
           </a:xfrm>
           <a:prstGeom prst="rect">
             <a:avLst/>
@@ -3609,14 +3581,14 @@
           <a:effectLst/>
           <a:extLst>
             <a:ext uri="{909E8E84-426E-40dd-AFC4-6F175D3DCCD1}">
-              <a14:hiddenFill xmlns:a14="http://schemas.microsoft.com/office/drawing/2010/main" xmlns="">
+              <a14:hiddenFill xmlns:a14="http://schemas.microsoft.com/office/drawing/2010/main">
                 <a:solidFill>
                   <a:schemeClr val="accent1"/>
                 </a:solidFill>
               </a14:hiddenFill>
             </a:ext>
             <a:ext uri="{91240B29-F687-4f45-9708-019B960494DF}">
-              <a14:hiddenLine xmlns:a14="http://schemas.microsoft.com/office/drawing/2010/main" xmlns="" w="9525">
+              <a14:hiddenLine xmlns:a14="http://schemas.microsoft.com/office/drawing/2010/main" w="9525">
                 <a:solidFill>
                   <a:schemeClr val="tx1"/>
                 </a:solidFill>
@@ -3626,7 +3598,7 @@
               </a14:hiddenLine>
             </a:ext>
             <a:ext uri="{AF507438-7753-43e0-B8FC-AC1667EBCBE1}">
-              <a14:hiddenEffects xmlns:a14="http://schemas.microsoft.com/office/drawing/2010/main" xmlns="">
+              <a14:hiddenEffects xmlns:a14="http://schemas.microsoft.com/office/drawing/2010/main">
                 <a:effectLst>
                   <a:outerShdw dist="35921" dir="2700000" algn="ctr" rotWithShape="0">
                     <a:schemeClr val="bg2"/>
@@ -3745,21 +3717,22 @@
               </a:spcBef>
             </a:pPr>
             <a:r>
+              <a:rPr lang="en-US" altLang="en-US" sz="5000" b="1" dirty="0" smtClean="0"/>
+              <a:t>Data</a:t>
+            </a:r>
+            <a:r>
               <a:rPr lang="en-US" altLang="en-US" b="1" dirty="0" smtClean="0"/>
-              <a:t>Data</a:t>
-            </a:r>
-          </a:p>
-          <a:p>
-            <a:pPr algn="ctr">
-              <a:spcBef>
-                <a:spcPct val="50000"/>
-              </a:spcBef>
-            </a:pPr>
-            <a:r>
-              <a:rPr lang="en-US" altLang="en-US" sz="3600" b="1" dirty="0" smtClean="0"/>
-              <a:t>(collected from 1974 to present)</a:t>
-            </a:r>
-            <a:endParaRPr lang="en-US" altLang="en-US" sz="3600" b="1" dirty="0"/>
+              <a:t> </a:t>
+            </a:r>
+            <a:r>
+              <a:rPr lang="en-US" altLang="en-US" sz="3000" b="1" dirty="0" smtClean="0"/>
+              <a:t>(1974 </a:t>
+            </a:r>
+            <a:r>
+              <a:rPr lang="en-US" altLang="en-US" sz="3000" b="1" dirty="0" smtClean="0"/>
+              <a:t>to present)</a:t>
+            </a:r>
+            <a:endParaRPr lang="en-US" altLang="en-US" sz="3000" b="1" dirty="0"/>
           </a:p>
         </p:txBody>
       </p:sp>
@@ -3786,14 +3759,14 @@
           <a:effectLst/>
           <a:extLst>
             <a:ext uri="{909E8E84-426E-40dd-AFC4-6F175D3DCCD1}">
-              <a14:hiddenFill xmlns:a14="http://schemas.microsoft.com/office/drawing/2010/main" xmlns="">
+              <a14:hiddenFill xmlns:a14="http://schemas.microsoft.com/office/drawing/2010/main">
                 <a:solidFill>
                   <a:schemeClr val="accent1"/>
                 </a:solidFill>
               </a14:hiddenFill>
             </a:ext>
             <a:ext uri="{91240B29-F687-4f45-9708-019B960494DF}">
-              <a14:hiddenLine xmlns:a14="http://schemas.microsoft.com/office/drawing/2010/main" xmlns="" w="9525">
+              <a14:hiddenLine xmlns:a14="http://schemas.microsoft.com/office/drawing/2010/main" w="9525">
                 <a:solidFill>
                   <a:schemeClr val="tx1"/>
                 </a:solidFill>
@@ -3803,7 +3776,7 @@
               </a14:hiddenLine>
             </a:ext>
             <a:ext uri="{AF507438-7753-43e0-B8FC-AC1667EBCBE1}">
-              <a14:hiddenEffects xmlns:a14="http://schemas.microsoft.com/office/drawing/2010/main" xmlns="">
+              <a14:hiddenEffects xmlns:a14="http://schemas.microsoft.com/office/drawing/2010/main">
                 <a:effectLst>
                   <a:outerShdw dist="35921" dir="2700000" algn="ctr" rotWithShape="0">
                     <a:schemeClr val="bg2"/>
@@ -3965,7 +3938,7 @@
           <a:effectLst/>
           <a:extLst>
             <a:ext uri="{AF507438-7753-43e0-B8FC-AC1667EBCBE1}">
-              <a14:hiddenEffects xmlns:a14="http://schemas.microsoft.com/office/drawing/2010/main" xmlns="">
+              <a14:hiddenEffects xmlns:a14="http://schemas.microsoft.com/office/drawing/2010/main">
                 <a:effectLst>
                   <a:outerShdw dist="35921" dir="2700000" algn="ctr" rotWithShape="0">
                     <a:schemeClr val="bg2"/>
@@ -4108,14 +4081,14 @@
           <a:effectLst/>
           <a:extLst>
             <a:ext uri="{909E8E84-426E-40dd-AFC4-6F175D3DCCD1}">
-              <a14:hiddenFill xmlns:a14="http://schemas.microsoft.com/office/drawing/2010/main" xmlns="">
+              <a14:hiddenFill xmlns:a14="http://schemas.microsoft.com/office/drawing/2010/main">
                 <a:solidFill>
                   <a:schemeClr val="accent1"/>
                 </a:solidFill>
               </a14:hiddenFill>
             </a:ext>
             <a:ext uri="{91240B29-F687-4f45-9708-019B960494DF}">
-              <a14:hiddenLine xmlns:a14="http://schemas.microsoft.com/office/drawing/2010/main" xmlns="" w="9525">
+              <a14:hiddenLine xmlns:a14="http://schemas.microsoft.com/office/drawing/2010/main" w="9525">
                 <a:solidFill>
                   <a:schemeClr val="tx1"/>
                 </a:solidFill>
@@ -4125,7 +4098,7 @@
               </a14:hiddenLine>
             </a:ext>
             <a:ext uri="{AF507438-7753-43e0-B8FC-AC1667EBCBE1}">
-              <a14:hiddenEffects xmlns:a14="http://schemas.microsoft.com/office/drawing/2010/main" xmlns="">
+              <a14:hiddenEffects xmlns:a14="http://schemas.microsoft.com/office/drawing/2010/main">
                 <a:effectLst>
                   <a:outerShdw dist="35921" dir="2700000" algn="ctr" rotWithShape="0">
                     <a:schemeClr val="bg2"/>
@@ -4253,11 +4226,7 @@
             </a:r>
             <a:r>
               <a:rPr lang="en-US" altLang="en-US" sz="8900" b="1" dirty="0" smtClean="0"/>
-              <a:t>egislative </a:t>
-            </a:r>
-            <a:r>
-              <a:rPr lang="en-US" altLang="en-US" sz="8900" b="1" dirty="0" smtClean="0"/>
-              <a:t>Elections</a:t>
+              <a:t>egislative Elections</a:t>
             </a:r>
             <a:endParaRPr lang="en-US" altLang="en-US" sz="1400" b="1" dirty="0" smtClean="0"/>
           </a:p>
@@ -4298,14 +4267,14 @@
           <a:effectLst/>
           <a:extLst>
             <a:ext uri="{909E8E84-426E-40dd-AFC4-6F175D3DCCD1}">
-              <a14:hiddenFill xmlns:a14="http://schemas.microsoft.com/office/drawing/2010/main" xmlns="">
+              <a14:hiddenFill xmlns:a14="http://schemas.microsoft.com/office/drawing/2010/main">
                 <a:solidFill>
                   <a:schemeClr val="accent1"/>
                 </a:solidFill>
               </a14:hiddenFill>
             </a:ext>
             <a:ext uri="{91240B29-F687-4f45-9708-019B960494DF}">
-              <a14:hiddenLine xmlns:a14="http://schemas.microsoft.com/office/drawing/2010/main" xmlns="" w="9525">
+              <a14:hiddenLine xmlns:a14="http://schemas.microsoft.com/office/drawing/2010/main" w="9525">
                 <a:solidFill>
                   <a:schemeClr val="tx1"/>
                 </a:solidFill>
@@ -4315,7 +4284,7 @@
               </a14:hiddenLine>
             </a:ext>
             <a:ext uri="{AF507438-7753-43e0-B8FC-AC1667EBCBE1}">
-              <a14:hiddenEffects xmlns:a14="http://schemas.microsoft.com/office/drawing/2010/main" xmlns="">
+              <a14:hiddenEffects xmlns:a14="http://schemas.microsoft.com/office/drawing/2010/main">
                 <a:effectLst>
                   <a:outerShdw dist="35921" dir="2700000" algn="ctr" rotWithShape="0">
                     <a:schemeClr val="bg2"/>
@@ -4460,7 +4429,7 @@
         <p:spPr bwMode="auto">
           <a:xfrm>
             <a:off x="25122578" y="16800697"/>
-            <a:ext cx="6229350" cy="768350"/>
+            <a:ext cx="6229350" cy="773830"/>
           </a:xfrm>
           <a:prstGeom prst="rect">
             <a:avLst/>
@@ -4472,14 +4441,14 @@
           <a:effectLst/>
           <a:extLst>
             <a:ext uri="{909E8E84-426E-40dd-AFC4-6F175D3DCCD1}">
-              <a14:hiddenFill xmlns:a14="http://schemas.microsoft.com/office/drawing/2010/main" xmlns="">
+              <a14:hiddenFill xmlns:a14="http://schemas.microsoft.com/office/drawing/2010/main">
                 <a:solidFill>
                   <a:schemeClr val="accent1"/>
                 </a:solidFill>
               </a14:hiddenFill>
             </a:ext>
             <a:ext uri="{91240B29-F687-4f45-9708-019B960494DF}">
-              <a14:hiddenLine xmlns:a14="http://schemas.microsoft.com/office/drawing/2010/main" xmlns="" w="9525">
+              <a14:hiddenLine xmlns:a14="http://schemas.microsoft.com/office/drawing/2010/main" w="9525">
                 <a:solidFill>
                   <a:schemeClr val="tx1"/>
                 </a:solidFill>
@@ -4489,7 +4458,7 @@
               </a14:hiddenLine>
             </a:ext>
             <a:ext uri="{AF507438-7753-43e0-B8FC-AC1667EBCBE1}">
-              <a14:hiddenEffects xmlns:a14="http://schemas.microsoft.com/office/drawing/2010/main" xmlns="">
+              <a14:hiddenEffects xmlns:a14="http://schemas.microsoft.com/office/drawing/2010/main">
                 <a:effectLst>
                   <a:outerShdw dist="35921" dir="2700000" algn="ctr" rotWithShape="0">
                     <a:schemeClr val="bg2"/>
@@ -4608,8 +4577,8 @@
               </a:spcBef>
             </a:pPr>
             <a:r>
-              <a:rPr lang="en-US" altLang="en-US" sz="4600" dirty="0"/>
-              <a:t>Bibliography</a:t>
+              <a:rPr lang="en-US" altLang="en-US" sz="4600" dirty="0" smtClean="0"/>
+              <a:t>References</a:t>
             </a:r>
           </a:p>
         </p:txBody>
@@ -4624,7 +4593,7 @@
         </p:nvSpPr>
         <p:spPr bwMode="auto">
           <a:xfrm>
-            <a:off x="670295" y="13357047"/>
+            <a:off x="738946" y="10576842"/>
             <a:ext cx="7067550" cy="7430750"/>
           </a:xfrm>
           <a:prstGeom prst="rect">
@@ -4637,14 +4606,14 @@
           <a:effectLst/>
           <a:extLst>
             <a:ext uri="{909E8E84-426E-40dd-AFC4-6F175D3DCCD1}">
-              <a14:hiddenFill xmlns:a14="http://schemas.microsoft.com/office/drawing/2010/main" xmlns="">
+              <a14:hiddenFill xmlns:a14="http://schemas.microsoft.com/office/drawing/2010/main">
                 <a:solidFill>
                   <a:schemeClr val="bg1"/>
                 </a:solidFill>
               </a14:hiddenFill>
             </a:ext>
             <a:ext uri="{91240B29-F687-4f45-9708-019B960494DF}">
-              <a14:hiddenLine xmlns:a14="http://schemas.microsoft.com/office/drawing/2010/main" xmlns="" w="57150" cmpd="thinThick">
+              <a14:hiddenLine xmlns:a14="http://schemas.microsoft.com/office/drawing/2010/main" w="57150" cmpd="thinThick">
                 <a:solidFill>
                   <a:schemeClr val="tx1"/>
                 </a:solidFill>
@@ -4654,7 +4623,7 @@
               </a14:hiddenLine>
             </a:ext>
             <a:ext uri="{AF507438-7753-43e0-B8FC-AC1667EBCBE1}">
-              <a14:hiddenEffects xmlns:a14="http://schemas.microsoft.com/office/drawing/2010/main" xmlns="">
+              <a14:hiddenEffects xmlns:a14="http://schemas.microsoft.com/office/drawing/2010/main">
                 <a:effectLst>
                   <a:outerShdw dist="35921" dir="2700000" algn="ctr" rotWithShape="0">
                     <a:schemeClr val="bg2"/>
@@ -4775,25 +4744,7 @@
               <a:rPr lang="en-US" altLang="en-US" sz="3200" dirty="0" smtClean="0">
                 <a:latin typeface="+mj-lt"/>
               </a:rPr>
-              <a:t>Upper and </a:t>
-            </a:r>
-            <a:r>
-              <a:rPr lang="en-US" altLang="en-US" sz="3200" dirty="0" smtClean="0">
-                <a:latin typeface="+mj-lt"/>
-              </a:rPr>
-              <a:t>lower house </a:t>
-            </a:r>
-            <a:r>
-              <a:rPr lang="en-US" altLang="en-US" sz="3200" dirty="0" smtClean="0">
-                <a:latin typeface="+mj-lt"/>
-              </a:rPr>
-              <a:t>districts’ voting </a:t>
-            </a:r>
-            <a:r>
-              <a:rPr lang="en-US" altLang="en-US" sz="3200" dirty="0" smtClean="0">
-                <a:latin typeface="+mj-lt"/>
-              </a:rPr>
-              <a:t>totals awarded to democratic and republican candidates for the following seats:</a:t>
+              <a:t>Upper and lower house districts’ voting totals awarded to democratic and republican candidates for the following seats:</a:t>
             </a:r>
           </a:p>
           <a:p>
@@ -4853,25 +4804,7 @@
               <a:rPr lang="en-US" altLang="en-US" sz="3200" dirty="0" smtClean="0">
                 <a:latin typeface="+mj-lt"/>
               </a:rPr>
-              <a:t>Quarterly </a:t>
-            </a:r>
-            <a:r>
-              <a:rPr lang="en-US" altLang="en-US" sz="3200" dirty="0" smtClean="0">
-                <a:latin typeface="+mj-lt"/>
-              </a:rPr>
-              <a:t>average real personal </a:t>
-            </a:r>
-            <a:r>
-              <a:rPr lang="en-US" altLang="en-US" sz="3200" dirty="0" smtClean="0">
-                <a:latin typeface="+mj-lt"/>
-              </a:rPr>
-              <a:t>income (</a:t>
-            </a:r>
-            <a:r>
-              <a:rPr lang="en-US" altLang="en-US" sz="3200" dirty="0" smtClean="0">
-                <a:latin typeface="+mj-lt"/>
-              </a:rPr>
-              <a:t>national level)</a:t>
+              <a:t>Quarterly average real personal income (national level)</a:t>
             </a:r>
           </a:p>
           <a:p>
@@ -4883,25 +4816,7 @@
               <a:rPr lang="en-US" altLang="en-US" sz="3200" dirty="0" smtClean="0">
                 <a:latin typeface="+mj-lt"/>
               </a:rPr>
-              <a:t>Presidential approval </a:t>
-            </a:r>
-            <a:r>
-              <a:rPr lang="en-US" altLang="en-US" sz="3200" dirty="0" smtClean="0">
-                <a:latin typeface="+mj-lt"/>
-              </a:rPr>
-              <a:t>ratings (national </a:t>
-            </a:r>
-            <a:r>
-              <a:rPr lang="en-US" altLang="en-US" sz="3200" dirty="0" smtClean="0">
-                <a:latin typeface="+mj-lt"/>
-              </a:rPr>
-              <a:t>level</a:t>
-            </a:r>
-            <a:r>
-              <a:rPr lang="en-US" altLang="en-US" sz="3200" dirty="0" smtClean="0">
-                <a:latin typeface="+mj-lt"/>
-              </a:rPr>
-              <a:t>)</a:t>
+              <a:t>Presidential approval ratings (national level)</a:t>
             </a:r>
           </a:p>
           <a:p>
@@ -4941,7 +4856,7 @@
         <p:spPr bwMode="auto">
           <a:xfrm>
             <a:off x="24792378" y="18002001"/>
-            <a:ext cx="6889750" cy="3222625"/>
+            <a:ext cx="7267878" cy="3907222"/>
           </a:xfrm>
           <a:prstGeom prst="rect">
             <a:avLst/>
@@ -4953,14 +4868,14 @@
           <a:effectLst/>
           <a:extLst>
             <a:ext uri="{909E8E84-426E-40dd-AFC4-6F175D3DCCD1}">
-              <a14:hiddenFill xmlns:a14="http://schemas.microsoft.com/office/drawing/2010/main" xmlns="">
+              <a14:hiddenFill xmlns:a14="http://schemas.microsoft.com/office/drawing/2010/main">
                 <a:solidFill>
                   <a:schemeClr val="bg1"/>
                 </a:solidFill>
               </a14:hiddenFill>
             </a:ext>
             <a:ext uri="{91240B29-F687-4f45-9708-019B960494DF}">
-              <a14:hiddenLine xmlns:a14="http://schemas.microsoft.com/office/drawing/2010/main" xmlns="" w="57150" cmpd="thinThick">
+              <a14:hiddenLine xmlns:a14="http://schemas.microsoft.com/office/drawing/2010/main" w="57150" cmpd="thinThick">
                 <a:solidFill>
                   <a:schemeClr val="tx1"/>
                 </a:solidFill>
@@ -4970,7 +4885,7 @@
               </a14:hiddenLine>
             </a:ext>
             <a:ext uri="{AF507438-7753-43e0-B8FC-AC1667EBCBE1}">
-              <a14:hiddenEffects xmlns:a14="http://schemas.microsoft.com/office/drawing/2010/main" xmlns="">
+              <a14:hiddenEffects xmlns:a14="http://schemas.microsoft.com/office/drawing/2010/main">
                 <a:effectLst>
                   <a:outerShdw dist="35921" dir="2700000" algn="ctr" rotWithShape="0">
                     <a:schemeClr val="bg2"/>
@@ -4981,7 +4896,7 @@
           </a:extLst>
         </p:spPr>
         <p:txBody>
-          <a:bodyPr lIns="43688" tIns="21843" rIns="43688" bIns="21843">
+          <a:bodyPr wrap="square" lIns="43688" tIns="21843" rIns="43688" bIns="21843">
             <a:spAutoFit/>
           </a:bodyPr>
           <a:lstStyle>
@@ -5088,80 +5003,226 @@
                 <a:spcPct val="95000"/>
               </a:lnSpc>
             </a:pPr>
+            <a:r>
+              <a:rPr lang="en-US" altLang="en-US" sz="2000" b="1" dirty="0" err="1" smtClean="0">
+                <a:latin typeface="Arial"/>
+                <a:cs typeface="Arial"/>
+              </a:rPr>
+              <a:t>Karner</a:t>
+            </a:r>
+            <a:r>
+              <a:rPr lang="en-US" altLang="en-US" sz="2000" b="1" dirty="0" smtClean="0">
+                <a:latin typeface="Arial"/>
+                <a:cs typeface="Arial"/>
+              </a:rPr>
+              <a:t>, Carl. </a:t>
+            </a:r>
+            <a:r>
+              <a:rPr lang="en-US" altLang="en-US" sz="2000" b="1" dirty="0" smtClean="0">
+                <a:latin typeface="Arial"/>
+                <a:cs typeface="Arial"/>
+              </a:rPr>
+              <a:t>California</a:t>
+            </a:r>
+            <a:r>
+              <a:rPr lang="en-US" altLang="en-US" sz="2000" b="1" dirty="0" smtClean="0">
+                <a:latin typeface="Arial"/>
+                <a:cs typeface="Arial"/>
+              </a:rPr>
+              <a:t> State Legislative Forecast Data.</a:t>
+            </a:r>
             <a:endParaRPr lang="en-US" altLang="en-US" sz="2000" b="1" dirty="0">
-              <a:latin typeface="Times New Roman" pitchFamily="18" charset="0"/>
+              <a:latin typeface="Arial"/>
+              <a:cs typeface="Arial"/>
             </a:endParaRPr>
           </a:p>
           <a:p>
-            <a:pPr eaLnBrk="0" hangingPunct="0">
+            <a:pPr marL="0" indent="0" eaLnBrk="0" hangingPunct="0">
               <a:lnSpc>
                 <a:spcPct val="95000"/>
               </a:lnSpc>
-              <a:buFontTx/>
-              <a:buAutoNum type="arabicPeriod"/>
             </a:pPr>
-            <a:r>
-              <a:rPr lang="en-US" altLang="en-US" sz="2000" b="1" dirty="0">
-                <a:latin typeface="Times New Roman" pitchFamily="18" charset="0"/>
-              </a:rPr>
-              <a:t>Xxxxxxxxxxxxxxxxxxxxxxxxxxxxxxxxxxxxxxxxxxxxxxxxxxxxxxxxxxxxxxxxxxxxxxxxxxxxxxxxxxxxxxxxxxx</a:t>
-            </a:r>
-          </a:p>
-          <a:p>
-            <a:pPr eaLnBrk="0" hangingPunct="0">
+            <a:endParaRPr lang="en-US" sz="2000" b="1" dirty="0" smtClean="0">
+              <a:latin typeface="Arial"/>
+              <a:cs typeface="Arial"/>
+            </a:endParaRPr>
+          </a:p>
+          <a:p>
+            <a:pPr marL="0" indent="0" eaLnBrk="0" hangingPunct="0">
               <a:lnSpc>
                 <a:spcPct val="95000"/>
               </a:lnSpc>
-              <a:buFontTx/>
-              <a:buAutoNum type="arabicPeriod"/>
             </a:pPr>
             <a:r>
-              <a:rPr lang="en-US" altLang="en-US" sz="2000" b="1" dirty="0">
-                <a:latin typeface="Times New Roman" pitchFamily="18" charset="0"/>
+              <a:rPr lang="en-US" sz="2000" b="1" dirty="0" err="1" smtClean="0">
+                <a:latin typeface="Arial"/>
+                <a:cs typeface="Arial"/>
               </a:rPr>
-              <a:t>Xxxxxxxxxxxxxxxxxxxxxxxxxxxxxxxxxxxxxxxxxxxxxxxxxxxxxxxxxxxxxxxxxxxxxxxxxxxxxxxxxxxxxxxxxxxx</a:t>
-            </a:r>
-          </a:p>
-          <a:p>
-            <a:pPr eaLnBrk="0" hangingPunct="0">
+              <a:t>Klarner</a:t>
+            </a:r>
+            <a:r>
+              <a:rPr lang="en-US" sz="2000" b="1" dirty="0">
+                <a:latin typeface="Arial"/>
+                <a:cs typeface="Arial"/>
+              </a:rPr>
+              <a:t>, Carl. Presidential Approval </a:t>
+            </a:r>
+            <a:r>
+              <a:rPr lang="en-US" sz="2000" b="1" dirty="0" smtClean="0">
+                <a:latin typeface="Arial"/>
+                <a:cs typeface="Arial"/>
+              </a:rPr>
+              <a:t>Data from </a:t>
+            </a:r>
+            <a:r>
+              <a:rPr lang="en-US" sz="2000" b="1" dirty="0" err="1">
+                <a:latin typeface="Arial"/>
+                <a:cs typeface="Arial"/>
+              </a:rPr>
+              <a:t>Gallup.com</a:t>
+            </a:r>
+            <a:r>
+              <a:rPr lang="en-US" sz="2000" b="1" dirty="0" smtClean="0">
+                <a:latin typeface="Arial"/>
+                <a:cs typeface="Arial"/>
+              </a:rPr>
+              <a:t>.</a:t>
+            </a:r>
+          </a:p>
+          <a:p>
+            <a:pPr marL="0" indent="0" eaLnBrk="0" hangingPunct="0">
               <a:lnSpc>
                 <a:spcPct val="95000"/>
               </a:lnSpc>
-              <a:buFont typeface="Symbol" pitchFamily="18" charset="2"/>
-              <a:buAutoNum type="arabicPeriod"/>
             </a:pPr>
-            <a:r>
-              <a:rPr lang="en-US" altLang="en-US" sz="2000" b="1" dirty="0">
-                <a:latin typeface="Times New Roman" pitchFamily="18" charset="0"/>
-              </a:rPr>
-              <a:t>Xxxxxxxxxxxxxxxxxxxxxxxxxxxxxxxxxxxxxxxxxxxxxxxxxxxxxxxxxxxxxxxxxxxxxxxxxxxxxxxxxxxxxxxxxxxxxxxxxxxxxxxxxxxxxxxxxxxxxxx</a:t>
-            </a:r>
-          </a:p>
-          <a:p>
-            <a:pPr eaLnBrk="0" hangingPunct="0">
+            <a:endParaRPr lang="en-US" altLang="en-US" sz="2000" b="1" dirty="0" smtClean="0">
+              <a:latin typeface="Arial"/>
+              <a:cs typeface="Arial"/>
+            </a:endParaRPr>
+          </a:p>
+          <a:p>
+            <a:pPr marL="0" indent="0" eaLnBrk="0" hangingPunct="0">
               <a:lnSpc>
                 <a:spcPct val="95000"/>
               </a:lnSpc>
-              <a:buFont typeface="Symbol" pitchFamily="18" charset="2"/>
-              <a:buAutoNum type="arabicPeriod"/>
             </a:pPr>
             <a:r>
+              <a:rPr lang="en-US" altLang="en-US" sz="2000" b="1" dirty="0" smtClean="0">
+                <a:latin typeface="Arial"/>
+                <a:cs typeface="Arial"/>
+              </a:rPr>
+              <a:t>Statewide Election Results 2010-2016. California Secretary </a:t>
+            </a:r>
+            <a:r>
               <a:rPr lang="en-US" altLang="en-US" sz="2000" b="1" dirty="0">
-                <a:latin typeface="Times New Roman" pitchFamily="18" charset="0"/>
+                <a:latin typeface="Arial"/>
+                <a:cs typeface="Arial"/>
               </a:rPr>
-              <a:t>Xxxxxxxxxxxxxxxxxxxxxxxxxxxxxxxxxxxxxxxxxxxxxxxxxxxxxxxxxxxxxxxxxxxxxxxxxxxxxxxxxxx</a:t>
-            </a:r>
-          </a:p>
-          <a:p>
-            <a:pPr eaLnBrk="0" hangingPunct="0">
+              <a:t>of State</a:t>
+            </a:r>
+            <a:r>
+              <a:rPr lang="en-US" altLang="en-US" sz="2000" b="1" dirty="0" smtClean="0">
+                <a:latin typeface="Arial"/>
+                <a:cs typeface="Arial"/>
+              </a:rPr>
+              <a:t>. </a:t>
+            </a:r>
+          </a:p>
+          <a:p>
+            <a:pPr marL="0" indent="0" eaLnBrk="0" hangingPunct="0">
               <a:lnSpc>
                 <a:spcPct val="95000"/>
               </a:lnSpc>
-              <a:buFont typeface="Symbol" pitchFamily="18" charset="2"/>
-              <a:buAutoNum type="arabicPeriod"/>
             </a:pPr>
-            <a:endParaRPr lang="en-US" altLang="en-US" sz="2000" b="1" dirty="0">
-              <a:latin typeface="Times New Roman" pitchFamily="18" charset="0"/>
+            <a:endParaRPr lang="en-US" altLang="en-US" sz="2000" b="1" dirty="0" smtClean="0">
+              <a:latin typeface="Arial"/>
+              <a:cs typeface="Arial"/>
+            </a:endParaRPr>
+          </a:p>
+          <a:p>
+            <a:pPr marL="0" indent="0" eaLnBrk="0" hangingPunct="0">
+              <a:lnSpc>
+                <a:spcPct val="95000"/>
+              </a:lnSpc>
+            </a:pPr>
+            <a:r>
+              <a:rPr lang="en-US" altLang="en-US" sz="2000" b="1" dirty="0" smtClean="0">
+                <a:latin typeface="Arial"/>
+                <a:cs typeface="Arial"/>
+              </a:rPr>
+              <a:t>Table 2.1. P</a:t>
+            </a:r>
+            <a:r>
+              <a:rPr lang="en-US" altLang="en-US" sz="2000" b="1" dirty="0" smtClean="0">
+                <a:latin typeface="Arial"/>
+                <a:cs typeface="Arial"/>
+              </a:rPr>
+              <a:t>ersonal Income and </a:t>
+            </a:r>
+            <a:r>
+              <a:rPr lang="en-US" altLang="en-US" sz="2000" b="1" dirty="0" smtClean="0">
+                <a:latin typeface="Arial"/>
+                <a:cs typeface="Arial"/>
+              </a:rPr>
+              <a:t>Its Disposition. </a:t>
+            </a:r>
+            <a:r>
+              <a:rPr lang="en-US" altLang="en-US" sz="2000" b="1" dirty="0" smtClean="0">
+                <a:latin typeface="Arial"/>
+                <a:cs typeface="Arial"/>
+              </a:rPr>
+              <a:t>US Bureau of </a:t>
+            </a:r>
+            <a:r>
+              <a:rPr lang="en-US" altLang="en-US" sz="2000" b="1" dirty="0">
+                <a:latin typeface="Arial"/>
+                <a:cs typeface="Arial"/>
+              </a:rPr>
+              <a:t>Economic Analysis</a:t>
+            </a:r>
+            <a:r>
+              <a:rPr lang="en-US" altLang="en-US" sz="2000" b="1" dirty="0" smtClean="0">
+                <a:latin typeface="Arial"/>
+                <a:cs typeface="Arial"/>
+              </a:rPr>
+              <a:t>.</a:t>
+            </a:r>
+            <a:endParaRPr lang="en-US" altLang="en-US" sz="2000" b="1" dirty="0" smtClean="0">
+              <a:latin typeface="Arial"/>
+              <a:cs typeface="Arial"/>
+            </a:endParaRPr>
+          </a:p>
+          <a:p>
+            <a:pPr marL="0" indent="0" eaLnBrk="0" hangingPunct="0">
+              <a:lnSpc>
+                <a:spcPct val="95000"/>
+              </a:lnSpc>
+            </a:pPr>
+            <a:endParaRPr lang="en-US" altLang="en-US" sz="2800" b="1" dirty="0">
+              <a:latin typeface="Arial"/>
+              <a:cs typeface="Arial"/>
+            </a:endParaRPr>
+          </a:p>
+          <a:p>
+            <a:pPr marL="0" indent="0" eaLnBrk="0" hangingPunct="0">
+              <a:lnSpc>
+                <a:spcPct val="95000"/>
+              </a:lnSpc>
+            </a:pPr>
+            <a:endParaRPr lang="en-US" altLang="en-US" sz="2800" b="1" dirty="0" smtClean="0">
+              <a:latin typeface="Arial"/>
+              <a:cs typeface="Arial"/>
+            </a:endParaRPr>
+          </a:p>
+          <a:p>
+            <a:pPr marL="0" indent="0" eaLnBrk="0" hangingPunct="0">
+              <a:lnSpc>
+                <a:spcPct val="95000"/>
+              </a:lnSpc>
+            </a:pPr>
+            <a:endParaRPr lang="en-US" altLang="en-US" sz="2800" b="1" dirty="0">
+              <a:latin typeface="Arial"/>
+              <a:cs typeface="Arial"/>
             </a:endParaRPr>
           </a:p>
         </p:txBody>
@@ -5177,7 +5238,7 @@
         <p:spPr bwMode="auto">
           <a:xfrm>
             <a:off x="24637586" y="6571768"/>
-            <a:ext cx="7309264" cy="2353976"/>
+            <a:ext cx="7309264" cy="10967233"/>
           </a:xfrm>
           <a:prstGeom prst="rect">
             <a:avLst/>
@@ -5189,14 +5250,14 @@
           <a:effectLst/>
           <a:extLst>
             <a:ext uri="{909E8E84-426E-40dd-AFC4-6F175D3DCCD1}">
-              <a14:hiddenFill xmlns:a14="http://schemas.microsoft.com/office/drawing/2010/main" xmlns="">
+              <a14:hiddenFill xmlns:a14="http://schemas.microsoft.com/office/drawing/2010/main">
                 <a:solidFill>
                   <a:schemeClr val="bg1"/>
                 </a:solidFill>
               </a14:hiddenFill>
             </a:ext>
             <a:ext uri="{91240B29-F687-4f45-9708-019B960494DF}">
-              <a14:hiddenLine xmlns:a14="http://schemas.microsoft.com/office/drawing/2010/main" xmlns="" w="57150" cmpd="thinThick">
+              <a14:hiddenLine xmlns:a14="http://schemas.microsoft.com/office/drawing/2010/main" w="57150" cmpd="thinThick">
                 <a:solidFill>
                   <a:schemeClr val="tx1"/>
                 </a:solidFill>
@@ -5206,7 +5267,7 @@
               </a14:hiddenLine>
             </a:ext>
             <a:ext uri="{AF507438-7753-43e0-B8FC-AC1667EBCBE1}">
-              <a14:hiddenEffects xmlns:a14="http://schemas.microsoft.com/office/drawing/2010/main" xmlns="">
+              <a14:hiddenEffects xmlns:a14="http://schemas.microsoft.com/office/drawing/2010/main">
                 <a:effectLst>
                   <a:outerShdw dist="35921" dir="2700000" algn="ctr" rotWithShape="0">
                     <a:schemeClr val="bg2"/>
@@ -5319,7 +5380,18 @@
             </a:lvl9pPr>
           </a:lstStyle>
           <a:p>
-            <a:pPr marL="669925" lvl="1" indent="-342900" eaLnBrk="0" hangingPunct="0">
+            <a:pPr marL="433388" lvl="1" eaLnBrk="0" hangingPunct="0">
+              <a:lnSpc>
+                <a:spcPct val="95000"/>
+              </a:lnSpc>
+            </a:pPr>
+            <a:r>
+              <a:rPr lang="en-US" altLang="en-US" sz="3200" b="1" dirty="0" smtClean="0"/>
+              <a:t>A Mixture of Fixed and Random Effects</a:t>
+            </a:r>
+          </a:p>
+          <a:p>
+            <a:pPr marL="890588" lvl="1" indent="-457200" eaLnBrk="0" hangingPunct="0">
               <a:lnSpc>
                 <a:spcPct val="95000"/>
               </a:lnSpc>
@@ -5327,8 +5399,122 @@
               <a:buChar char="•"/>
             </a:pPr>
             <a:r>
-              <a:rPr lang="en-US" altLang="en-US" sz="2400" b="1" dirty="0"/>
-              <a:t>Big Picture</a:t>
+              <a:rPr lang="en-US" altLang="en-US" sz="3200" dirty="0" smtClean="0"/>
+              <a:t>Intercepts vary by chamber-district</a:t>
+            </a:r>
+          </a:p>
+          <a:p>
+            <a:pPr marL="890588" lvl="1" indent="-457200" eaLnBrk="0" hangingPunct="0">
+              <a:lnSpc>
+                <a:spcPct val="95000"/>
+              </a:lnSpc>
+              <a:buFont typeface="Arial"/>
+              <a:buChar char="•"/>
+            </a:pPr>
+            <a:r>
+              <a:rPr lang="en-US" altLang="en-US" sz="3200" dirty="0" smtClean="0"/>
+              <a:t>Fixed slopes for the variables:</a:t>
+            </a:r>
+          </a:p>
+          <a:p>
+            <a:pPr marL="1109663" lvl="2" indent="-457200" eaLnBrk="0" hangingPunct="0">
+              <a:lnSpc>
+                <a:spcPct val="95000"/>
+              </a:lnSpc>
+              <a:buFont typeface="Arial"/>
+              <a:buChar char="•"/>
+            </a:pPr>
+            <a:r>
+              <a:rPr lang="en-US" altLang="en-US" sz="3200" dirty="0" smtClean="0"/>
+              <a:t>Midterm penalty</a:t>
+            </a:r>
+          </a:p>
+          <a:p>
+            <a:pPr marL="1109663" lvl="2" indent="-457200" eaLnBrk="0" hangingPunct="0">
+              <a:lnSpc>
+                <a:spcPct val="95000"/>
+              </a:lnSpc>
+              <a:buFont typeface="Arial"/>
+              <a:buChar char="•"/>
+            </a:pPr>
+            <a:r>
+              <a:rPr lang="en-US" altLang="en-US" sz="3200" dirty="0" smtClean="0"/>
+              <a:t>Incumbency</a:t>
+            </a:r>
+          </a:p>
+          <a:p>
+            <a:pPr marL="1109663" lvl="2" indent="-457200" eaLnBrk="0" hangingPunct="0">
+              <a:lnSpc>
+                <a:spcPct val="95000"/>
+              </a:lnSpc>
+              <a:buFont typeface="Arial"/>
+              <a:buChar char="•"/>
+            </a:pPr>
+            <a:r>
+              <a:rPr lang="en-US" altLang="en-US" sz="3200" dirty="0" smtClean="0"/>
+              <a:t>Proportion of votes for Democratic US Senate candidate from the previous election</a:t>
+            </a:r>
+            <a:endParaRPr lang="en-US" altLang="en-US" sz="3200" dirty="0">
+              <a:latin typeface="Arial"/>
+              <a:cs typeface="Arial"/>
+            </a:endParaRPr>
+          </a:p>
+          <a:p>
+            <a:pPr marL="652463" lvl="2" eaLnBrk="0" hangingPunct="0">
+              <a:lnSpc>
+                <a:spcPct val="95000"/>
+              </a:lnSpc>
+            </a:pPr>
+            <a:endParaRPr lang="en-US" altLang="en-US" sz="3200" b="1" dirty="0" smtClean="0">
+              <a:latin typeface="Arial"/>
+              <a:cs typeface="Arial"/>
+            </a:endParaRPr>
+          </a:p>
+          <a:p>
+            <a:pPr marL="652463" lvl="2" eaLnBrk="0" hangingPunct="0">
+              <a:lnSpc>
+                <a:spcPct val="95000"/>
+              </a:lnSpc>
+            </a:pPr>
+            <a:endParaRPr lang="en-US" altLang="en-US" sz="3200" b="1" dirty="0" smtClean="0">
+              <a:latin typeface="Arial"/>
+              <a:cs typeface="Arial"/>
+            </a:endParaRPr>
+          </a:p>
+          <a:p>
+            <a:pPr marL="652463" lvl="2" eaLnBrk="0" hangingPunct="0">
+              <a:lnSpc>
+                <a:spcPct val="95000"/>
+              </a:lnSpc>
+            </a:pPr>
+            <a:endParaRPr lang="en-US" altLang="en-US" sz="3200" b="1" dirty="0">
+              <a:latin typeface="Arial"/>
+              <a:cs typeface="Arial"/>
+            </a:endParaRPr>
+          </a:p>
+          <a:p>
+            <a:pPr marL="652463" lvl="2" eaLnBrk="0" hangingPunct="0">
+              <a:lnSpc>
+                <a:spcPct val="95000"/>
+              </a:lnSpc>
+            </a:pPr>
+            <a:endParaRPr lang="en-US" altLang="en-US" sz="3200" b="1" dirty="0" smtClean="0">
+              <a:latin typeface="Arial"/>
+              <a:cs typeface="Arial"/>
+            </a:endParaRPr>
+          </a:p>
+          <a:p>
+            <a:pPr marL="652463" lvl="2" eaLnBrk="0" hangingPunct="0">
+              <a:lnSpc>
+                <a:spcPct val="95000"/>
+              </a:lnSpc>
+            </a:pPr>
+            <a:r>
+              <a:rPr lang="en-US" altLang="en-US" sz="3200" b="1" dirty="0" smtClean="0">
+                <a:latin typeface="Arial"/>
+                <a:cs typeface="Arial"/>
+              </a:rPr>
+              <a:t>Why?</a:t>
             </a:r>
           </a:p>
           <a:p>
@@ -5340,20 +5526,56 @@
               <a:buChar char="•"/>
             </a:pPr>
             <a:r>
-              <a:rPr lang="en-US" altLang="en-US" sz="2400" dirty="0"/>
-              <a:t>Many of these ‘factors’ can be used as covariates in a Mixed Effects Model to predict the probability of a democratic candidate winning an upcoming election.</a:t>
-            </a:r>
-          </a:p>
-          <a:p>
-            <a:pPr marL="342900" indent="-342900" eaLnBrk="0" hangingPunct="0">
+              <a:rPr lang="en-US" altLang="en-US" sz="3200" dirty="0" smtClean="0">
+                <a:latin typeface="Arial"/>
+                <a:cs typeface="Arial"/>
+              </a:rPr>
+              <a:t>Accounts for random differences between districts and their voting tendencies</a:t>
+            </a:r>
+          </a:p>
+          <a:p>
+            <a:pPr marL="995363" lvl="2" indent="-342900" eaLnBrk="0" hangingPunct="0">
               <a:lnSpc>
                 <a:spcPct val="95000"/>
               </a:lnSpc>
               <a:buFont typeface="Arial"/>
               <a:buChar char="•"/>
             </a:pPr>
-            <a:endParaRPr lang="en-US" altLang="en-US" sz="1900" dirty="0">
-              <a:latin typeface="Times New Roman" pitchFamily="18" charset="0"/>
+            <a:r>
+              <a:rPr lang="en-US" altLang="en-US" sz="3200" dirty="0" smtClean="0">
+                <a:latin typeface="Arial"/>
+                <a:cs typeface="Arial"/>
+              </a:rPr>
+              <a:t>Each predictor was statistically significant and led to lower RSS errors</a:t>
+            </a:r>
+          </a:p>
+          <a:p>
+            <a:pPr marL="995363" lvl="2" indent="-342900" eaLnBrk="0" hangingPunct="0">
+              <a:lnSpc>
+                <a:spcPct val="95000"/>
+              </a:lnSpc>
+              <a:buFont typeface="Arial"/>
+              <a:buChar char="•"/>
+            </a:pPr>
+            <a:r>
+              <a:rPr lang="en-US" altLang="en-US" sz="3200" dirty="0" smtClean="0">
+                <a:latin typeface="Arial"/>
+                <a:cs typeface="Arial"/>
+              </a:rPr>
+              <a:t>Useful for simulating future elections</a:t>
+            </a:r>
+          </a:p>
+          <a:p>
+            <a:pPr marL="995363" lvl="2" indent="-342900" eaLnBrk="0" hangingPunct="0">
+              <a:lnSpc>
+                <a:spcPct val="95000"/>
+              </a:lnSpc>
+              <a:buFont typeface="Arial"/>
+              <a:buChar char="•"/>
+            </a:pPr>
+            <a:endParaRPr lang="en-US" altLang="en-US" sz="2400" dirty="0">
+              <a:latin typeface="Arial"/>
+              <a:cs typeface="Arial"/>
             </a:endParaRPr>
           </a:p>
           <a:p>
@@ -5381,7 +5603,7 @@
         <p:spPr bwMode="auto">
           <a:xfrm>
             <a:off x="585304" y="3415483"/>
-            <a:ext cx="7372350" cy="996950"/>
+            <a:ext cx="7372350" cy="835385"/>
           </a:xfrm>
           <a:prstGeom prst="rect">
             <a:avLst/>
@@ -5393,14 +5615,14 @@
           <a:effectLst/>
           <a:extLst>
             <a:ext uri="{909E8E84-426E-40dd-AFC4-6F175D3DCCD1}">
-              <a14:hiddenFill xmlns:a14="http://schemas.microsoft.com/office/drawing/2010/main" xmlns="">
+              <a14:hiddenFill xmlns:a14="http://schemas.microsoft.com/office/drawing/2010/main">
                 <a:solidFill>
                   <a:schemeClr val="accent1"/>
                 </a:solidFill>
               </a14:hiddenFill>
             </a:ext>
             <a:ext uri="{91240B29-F687-4f45-9708-019B960494DF}">
-              <a14:hiddenLine xmlns:a14="http://schemas.microsoft.com/office/drawing/2010/main" xmlns="" w="9525">
+              <a14:hiddenLine xmlns:a14="http://schemas.microsoft.com/office/drawing/2010/main" w="9525">
                 <a:solidFill>
                   <a:schemeClr val="tx1"/>
                 </a:solidFill>
@@ -5410,7 +5632,7 @@
               </a14:hiddenLine>
             </a:ext>
             <a:ext uri="{AF507438-7753-43e0-B8FC-AC1667EBCBE1}">
-              <a14:hiddenEffects xmlns:a14="http://schemas.microsoft.com/office/drawing/2010/main" xmlns="">
+              <a14:hiddenEffects xmlns:a14="http://schemas.microsoft.com/office/drawing/2010/main">
                 <a:effectLst>
                   <a:outerShdw dist="35921" dir="2700000" algn="ctr" rotWithShape="0">
                     <a:schemeClr val="bg2"/>
@@ -5529,7 +5751,7 @@
               </a:spcBef>
             </a:pPr>
             <a:r>
-              <a:rPr lang="en-US" altLang="en-US" b="1" dirty="0"/>
+              <a:rPr lang="en-US" altLang="en-US" sz="5000" b="1" dirty="0"/>
               <a:t>Introduction</a:t>
             </a:r>
           </a:p>
@@ -5558,14 +5780,14 @@
           <a:effectLst/>
           <a:extLst>
             <a:ext uri="{909E8E84-426E-40dd-AFC4-6F175D3DCCD1}">
-              <a14:hiddenFill xmlns:a14="http://schemas.microsoft.com/office/drawing/2010/main" xmlns="">
+              <a14:hiddenFill xmlns:a14="http://schemas.microsoft.com/office/drawing/2010/main">
                 <a:solidFill>
                   <a:schemeClr val="accent1"/>
                 </a:solidFill>
               </a14:hiddenFill>
             </a:ext>
             <a:ext uri="{91240B29-F687-4f45-9708-019B960494DF}">
-              <a14:hiddenLine xmlns:a14="http://schemas.microsoft.com/office/drawing/2010/main" xmlns="" w="9525">
+              <a14:hiddenLine xmlns:a14="http://schemas.microsoft.com/office/drawing/2010/main" w="9525">
                 <a:solidFill>
                   <a:schemeClr val="tx1"/>
                 </a:solidFill>
@@ -5575,7 +5797,7 @@
               </a14:hiddenLine>
             </a:ext>
             <a:ext uri="{AF507438-7753-43e0-B8FC-AC1667EBCBE1}">
-              <a14:hiddenEffects xmlns:a14="http://schemas.microsoft.com/office/drawing/2010/main" xmlns="">
+              <a14:hiddenEffects xmlns:a14="http://schemas.microsoft.com/office/drawing/2010/main">
                 <a:effectLst>
                   <a:outerShdw dist="35921" dir="2700000" algn="ctr" rotWithShape="0">
                     <a:schemeClr val="bg2"/>
@@ -5724,14 +5946,14 @@
           <a:effectLst/>
           <a:extLst>
             <a:ext uri="{909E8E84-426E-40dd-AFC4-6F175D3DCCD1}">
-              <a14:hiddenFill xmlns:a14="http://schemas.microsoft.com/office/drawing/2010/main" xmlns="">
+              <a14:hiddenFill xmlns:a14="http://schemas.microsoft.com/office/drawing/2010/main">
                 <a:solidFill>
                   <a:schemeClr val="accent1"/>
                 </a:solidFill>
               </a14:hiddenFill>
             </a:ext>
             <a:ext uri="{91240B29-F687-4f45-9708-019B960494DF}">
-              <a14:hiddenLine xmlns:a14="http://schemas.microsoft.com/office/drawing/2010/main" xmlns="" w="9525">
+              <a14:hiddenLine xmlns:a14="http://schemas.microsoft.com/office/drawing/2010/main" w="9525">
                 <a:solidFill>
                   <a:schemeClr val="tx1"/>
                 </a:solidFill>
@@ -5741,7 +5963,7 @@
               </a14:hiddenLine>
             </a:ext>
             <a:ext uri="{AF507438-7753-43e0-B8FC-AC1667EBCBE1}">
-              <a14:hiddenEffects xmlns:a14="http://schemas.microsoft.com/office/drawing/2010/main" xmlns="">
+              <a14:hiddenEffects xmlns:a14="http://schemas.microsoft.com/office/drawing/2010/main">
                 <a:effectLst>
                   <a:outerShdw dist="35921" dir="2700000" algn="ctr" rotWithShape="0">
                     <a:schemeClr val="bg2"/>
@@ -5898,7 +6120,7 @@
         <p:spPr>
           <a:xfrm>
             <a:off x="9172926" y="4566680"/>
-            <a:ext cx="6106192" cy="4361566"/>
+            <a:ext cx="5753944" cy="4109960"/>
           </a:xfrm>
           <a:prstGeom prst="rect">
             <a:avLst/>
@@ -5927,8 +6149,8 @@
         </p:blipFill>
         <p:spPr>
           <a:xfrm>
-            <a:off x="9172925" y="9189454"/>
-            <a:ext cx="5834631" cy="4167593"/>
+            <a:off x="9296400" y="9277650"/>
+            <a:ext cx="5711156" cy="4079397"/>
           </a:xfrm>
           <a:prstGeom prst="rect">
             <a:avLst/>
@@ -6034,6 +6256,380 @@
           </a:p>
         </p:txBody>
       </p:sp>
+      <p:pic>
+        <p:nvPicPr>
+          <p:cNvPr id="2" name="Picture 1" descr="unnamed-chunk-11-1.png"/>
+          <p:cNvPicPr>
+            <a:picLocks noChangeAspect="1"/>
+          </p:cNvPicPr>
+          <p:nvPr/>
+        </p:nvPicPr>
+        <p:blipFill>
+          <a:blip r:embed="rId5">
+            <a:extLst>
+              <a:ext uri="{28A0092B-C50C-407E-A947-70E740481C1C}">
+                <a14:useLocalDpi xmlns:a14="http://schemas.microsoft.com/office/drawing/2010/main" val="0"/>
+              </a:ext>
+            </a:extLst>
+          </a:blip>
+          <a:stretch>
+            <a:fillRect/>
+          </a:stretch>
+        </p:blipFill>
+        <p:spPr>
+          <a:xfrm>
+            <a:off x="17272000" y="9413988"/>
+            <a:ext cx="5710973" cy="4079266"/>
+          </a:xfrm>
+          <a:prstGeom prst="rect">
+            <a:avLst/>
+          </a:prstGeom>
+        </p:spPr>
+      </p:pic>
+      <p:sp>
+        <p:nvSpPr>
+          <p:cNvPr id="5" name="TextBox 4"/>
+          <p:cNvSpPr txBox="1"/>
+          <p:nvPr/>
+        </p:nvSpPr>
+        <p:spPr>
+          <a:xfrm>
+            <a:off x="16840200" y="4699000"/>
+            <a:ext cx="6375400" cy="4031873"/>
+          </a:xfrm>
+          <a:prstGeom prst="rect">
+            <a:avLst/>
+          </a:prstGeom>
+          <a:noFill/>
+        </p:spPr>
+        <p:txBody>
+          <a:bodyPr wrap="square" rtlCol="0">
+            <a:spAutoFit/>
+          </a:bodyPr>
+          <a:lstStyle/>
+          <a:p>
+            <a:pPr algn="l"/>
+            <a:r>
+              <a:rPr lang="en-US" sz="3200" dirty="0" smtClean="0"/>
+              <a:t>Incumbency</a:t>
+            </a:r>
+          </a:p>
+          <a:p>
+            <a:pPr marL="457200" indent="-457200" algn="l">
+              <a:buFont typeface="Arial"/>
+              <a:buChar char="•"/>
+            </a:pPr>
+            <a:r>
+              <a:rPr lang="en-US" sz="3200" dirty="0" smtClean="0"/>
+              <a:t>Heavily increases chances of re-election (Figure 1)</a:t>
+            </a:r>
+          </a:p>
+          <a:p>
+            <a:pPr marL="457200" indent="-457200" algn="l">
+              <a:buFont typeface="Arial"/>
+              <a:buChar char="•"/>
+            </a:pPr>
+            <a:r>
+              <a:rPr lang="en-US" sz="3200" dirty="0" smtClean="0"/>
+              <a:t>Democrats have seen increased success in elections with no incumbent (Figure 2)</a:t>
+            </a:r>
+          </a:p>
+          <a:p>
+            <a:pPr algn="l"/>
+            <a:r>
+              <a:rPr lang="en-US" sz="3200" dirty="0" smtClean="0"/>
+              <a:t>Voting behavior and Presidential Approval Rating (Figure 3)</a:t>
+            </a:r>
+          </a:p>
+        </p:txBody>
+      </p:sp>
+      <p:sp>
+        <p:nvSpPr>
+          <p:cNvPr id="10" name="TextBox 9"/>
+          <p:cNvSpPr txBox="1"/>
+          <p:nvPr/>
+        </p:nvSpPr>
+        <p:spPr>
+          <a:xfrm>
+            <a:off x="18733430" y="13467803"/>
+            <a:ext cx="1690086" cy="584776"/>
+          </a:xfrm>
+          <a:prstGeom prst="rect">
+            <a:avLst/>
+          </a:prstGeom>
+          <a:noFill/>
+        </p:spPr>
+        <p:txBody>
+          <a:bodyPr wrap="none" rtlCol="0">
+            <a:spAutoFit/>
+          </a:bodyPr>
+          <a:lstStyle/>
+          <a:p>
+            <a:r>
+              <a:rPr lang="en-US" sz="3200" dirty="0" smtClean="0"/>
+              <a:t>Figure 3</a:t>
+            </a:r>
+            <a:endParaRPr lang="en-US" sz="3200" dirty="0"/>
+          </a:p>
+        </p:txBody>
+      </p:sp>
+      <p:sp>
+        <p:nvSpPr>
+          <p:cNvPr id="11" name="TextBox 10"/>
+          <p:cNvSpPr txBox="1"/>
+          <p:nvPr/>
+        </p:nvSpPr>
+        <p:spPr>
+          <a:xfrm>
+            <a:off x="10705824" y="13467804"/>
+            <a:ext cx="1690086" cy="584776"/>
+          </a:xfrm>
+          <a:prstGeom prst="rect">
+            <a:avLst/>
+          </a:prstGeom>
+          <a:noFill/>
+        </p:spPr>
+        <p:txBody>
+          <a:bodyPr wrap="none" rtlCol="0">
+            <a:spAutoFit/>
+          </a:bodyPr>
+          <a:lstStyle/>
+          <a:p>
+            <a:r>
+              <a:rPr lang="en-US" sz="3200" dirty="0" smtClean="0"/>
+              <a:t>Figure 2</a:t>
+            </a:r>
+            <a:endParaRPr lang="en-US" sz="3200" dirty="0"/>
+          </a:p>
+        </p:txBody>
+      </p:sp>
+      <p:sp>
+        <p:nvSpPr>
+          <p:cNvPr id="12" name="TextBox 11"/>
+          <p:cNvSpPr txBox="1"/>
+          <p:nvPr/>
+        </p:nvSpPr>
+        <p:spPr>
+          <a:xfrm>
+            <a:off x="13887852" y="5196840"/>
+            <a:ext cx="1690086" cy="584776"/>
+          </a:xfrm>
+          <a:prstGeom prst="rect">
+            <a:avLst/>
+          </a:prstGeom>
+          <a:noFill/>
+        </p:spPr>
+        <p:txBody>
+          <a:bodyPr wrap="none" rtlCol="0">
+            <a:spAutoFit/>
+          </a:bodyPr>
+          <a:lstStyle/>
+          <a:p>
+            <a:r>
+              <a:rPr lang="en-US" sz="3200" dirty="0" smtClean="0"/>
+              <a:t>Figure 1</a:t>
+            </a:r>
+            <a:endParaRPr lang="en-US" sz="3200" dirty="0"/>
+          </a:p>
+        </p:txBody>
+      </p:sp>
+      <p:pic>
+        <p:nvPicPr>
+          <p:cNvPr id="13" name="Picture 12" descr="2018.png"/>
+          <p:cNvPicPr>
+            <a:picLocks noChangeAspect="1"/>
+          </p:cNvPicPr>
+          <p:nvPr/>
+        </p:nvPicPr>
+        <p:blipFill>
+          <a:blip r:embed="rId6">
+            <a:extLst>
+              <a:ext uri="{28A0092B-C50C-407E-A947-70E740481C1C}">
+                <a14:useLocalDpi xmlns:a14="http://schemas.microsoft.com/office/drawing/2010/main" val="0"/>
+              </a:ext>
+            </a:extLst>
+          </a:blip>
+          <a:stretch>
+            <a:fillRect/>
+          </a:stretch>
+        </p:blipFill>
+        <p:spPr>
+          <a:xfrm>
+            <a:off x="8985537" y="16581318"/>
+            <a:ext cx="5206324" cy="3718803"/>
+          </a:xfrm>
+          <a:prstGeom prst="rect">
+            <a:avLst/>
+          </a:prstGeom>
+        </p:spPr>
+      </p:pic>
+      <p:pic>
+        <p:nvPicPr>
+          <p:cNvPr id="14" name="Picture 13" descr="2018 assembly.png"/>
+          <p:cNvPicPr>
+            <a:picLocks noChangeAspect="1"/>
+          </p:cNvPicPr>
+          <p:nvPr/>
+        </p:nvPicPr>
+        <p:blipFill>
+          <a:blip r:embed="rId7">
+            <a:extLst>
+              <a:ext uri="{28A0092B-C50C-407E-A947-70E740481C1C}">
+                <a14:useLocalDpi xmlns:a14="http://schemas.microsoft.com/office/drawing/2010/main" val="0"/>
+              </a:ext>
+            </a:extLst>
+          </a:blip>
+          <a:stretch>
+            <a:fillRect/>
+          </a:stretch>
+        </p:blipFill>
+        <p:spPr>
+          <a:xfrm>
+            <a:off x="13624739" y="16587387"/>
+            <a:ext cx="5228847" cy="3734891"/>
+          </a:xfrm>
+          <a:prstGeom prst="rect">
+            <a:avLst/>
+          </a:prstGeom>
+        </p:spPr>
+      </p:pic>
+      <p:sp>
+        <p:nvSpPr>
+          <p:cNvPr id="15" name="TextBox 14"/>
+          <p:cNvSpPr txBox="1"/>
+          <p:nvPr/>
+        </p:nvSpPr>
+        <p:spPr>
+          <a:xfrm>
+            <a:off x="19250980" y="15925616"/>
+            <a:ext cx="4596214" cy="5016757"/>
+          </a:xfrm>
+          <a:prstGeom prst="rect">
+            <a:avLst/>
+          </a:prstGeom>
+          <a:noFill/>
+        </p:spPr>
+        <p:txBody>
+          <a:bodyPr wrap="square" rtlCol="0">
+            <a:spAutoFit/>
+          </a:bodyPr>
+          <a:lstStyle/>
+          <a:p>
+            <a:pPr algn="l"/>
+            <a:r>
+              <a:rPr lang="en-US" sz="3200" dirty="0" smtClean="0"/>
+              <a:t>Vote Expectations</a:t>
+            </a:r>
+          </a:p>
+          <a:p>
+            <a:pPr marL="457200" indent="-457200" algn="l">
+              <a:buFont typeface="Arial"/>
+              <a:buChar char="•"/>
+            </a:pPr>
+            <a:r>
+              <a:rPr lang="en-US" sz="3200" dirty="0" smtClean="0"/>
+              <a:t>18 seats will flip parties</a:t>
+            </a:r>
+          </a:p>
+          <a:p>
+            <a:pPr marL="457200" indent="-457200" algn="l">
+              <a:buFont typeface="Arial"/>
+              <a:buChar char="•"/>
+            </a:pPr>
+            <a:r>
+              <a:rPr lang="en-US" sz="3200" dirty="0" smtClean="0"/>
+              <a:t>Republicans net gain of 4 seats</a:t>
+            </a:r>
+          </a:p>
+          <a:p>
+            <a:pPr marL="914400" lvl="1" indent="-457200" algn="l">
+              <a:buFont typeface="Arial"/>
+              <a:buChar char="•"/>
+            </a:pPr>
+            <a:r>
+              <a:rPr lang="en-US" sz="3200" dirty="0" smtClean="0"/>
+              <a:t>Gain 5 in the Assembly</a:t>
+            </a:r>
+          </a:p>
+          <a:p>
+            <a:pPr marL="914400" lvl="1" indent="-457200" algn="l">
+              <a:buFont typeface="Arial"/>
+              <a:buChar char="•"/>
+            </a:pPr>
+            <a:r>
+              <a:rPr lang="en-US" sz="3200" dirty="0" smtClean="0"/>
+              <a:t>Lose 1 in the Senate</a:t>
+            </a:r>
+          </a:p>
+          <a:p>
+            <a:pPr marL="457200" indent="-457200" algn="l">
+              <a:buFont typeface="Arial"/>
+              <a:buChar char="•"/>
+            </a:pPr>
+            <a:endParaRPr lang="en-US" sz="3200" dirty="0" smtClean="0"/>
+          </a:p>
+        </p:txBody>
+      </p:sp>
+      <p:pic>
+        <p:nvPicPr>
+          <p:cNvPr id="16" name="Picture 15" descr="Screen Shot 2017-05-10 at 1.33.49 AM.png"/>
+          <p:cNvPicPr>
+            <a:picLocks noChangeAspect="1"/>
+          </p:cNvPicPr>
+          <p:nvPr/>
+        </p:nvPicPr>
+        <p:blipFill>
+          <a:blip r:embed="rId8">
+            <a:extLst>
+              <a:ext uri="{28A0092B-C50C-407E-A947-70E740481C1C}">
+                <a14:useLocalDpi xmlns:a14="http://schemas.microsoft.com/office/drawing/2010/main" val="0"/>
+              </a:ext>
+            </a:extLst>
+          </a:blip>
+          <a:stretch>
+            <a:fillRect/>
+          </a:stretch>
+        </p:blipFill>
+        <p:spPr>
+          <a:xfrm>
+            <a:off x="1493569" y="18122818"/>
+            <a:ext cx="5395598" cy="3105257"/>
+          </a:xfrm>
+          <a:prstGeom prst="rect">
+            <a:avLst/>
+          </a:prstGeom>
+        </p:spPr>
+      </p:pic>
+      <p:pic>
+        <p:nvPicPr>
+          <p:cNvPr id="17" name="Picture 16" descr="Screen Shot 2017-05-10 at 1.38.29 AM.png"/>
+          <p:cNvPicPr>
+            <a:picLocks noChangeAspect="1"/>
+          </p:cNvPicPr>
+          <p:nvPr/>
+        </p:nvPicPr>
+        <p:blipFill>
+          <a:blip r:embed="rId9">
+            <a:extLst>
+              <a:ext uri="{28A0092B-C50C-407E-A947-70E740481C1C}">
+                <a14:useLocalDpi xmlns:a14="http://schemas.microsoft.com/office/drawing/2010/main" val="0"/>
+              </a:ext>
+            </a:extLst>
+          </a:blip>
+          <a:stretch>
+            <a:fillRect/>
+          </a:stretch>
+        </p:blipFill>
+        <p:spPr>
+          <a:xfrm>
+            <a:off x="26561685" y="11098064"/>
+            <a:ext cx="3467100" cy="1384300"/>
+          </a:xfrm>
+          <a:prstGeom prst="rect">
+            <a:avLst/>
+          </a:prstGeom>
+        </p:spPr>
+      </p:pic>
     </p:spTree>
   </p:cSld>
   <p:clrMapOvr>
@@ -6042,7 +6638,7 @@
   <p:timing>
     <p:tnLst>
       <p:par>
-        <p:cTn id="1" dur="indefinite" restart="never" nodeType="tmRoot"/>
+        <p:cTn xmlns:p14="http://schemas.microsoft.com/office/powerpoint/2010/main" id="1" dur="indefinite" restart="never" nodeType="tmRoot"/>
       </p:par>
     </p:tnLst>
   </p:timing>
@@ -6294,7 +6890,7 @@
         <a:effectLst/>
         <a:extLst>
           <a:ext uri="{AF507438-7753-43e0-B8FC-AC1667EBCBE1}">
-            <a14:hiddenEffects xmlns:a14="http://schemas.microsoft.com/office/drawing/2010/main" xmlns="">
+            <a14:hiddenEffects xmlns:a14="http://schemas.microsoft.com/office/drawing/2010/main">
               <a:effectLst>
                 <a:outerShdw dist="35921" dir="2700000" algn="ctr" rotWithShape="0">
                   <a:schemeClr val="bg2"/>
@@ -6344,7 +6940,7 @@
         <a:effectLst/>
         <a:extLst>
           <a:ext uri="{AF507438-7753-43e0-B8FC-AC1667EBCBE1}">
-            <a14:hiddenEffects xmlns:a14="http://schemas.microsoft.com/office/drawing/2010/main" xmlns="">
+            <a14:hiddenEffects xmlns:a14="http://schemas.microsoft.com/office/drawing/2010/main">
               <a:effectLst>
                 <a:outerShdw dist="35921" dir="2700000" algn="ctr" rotWithShape="0">
                   <a:schemeClr val="bg2"/>

--- a/FinalProject/CA_presentation.pptx
+++ b/FinalProject/CA_presentation.pptx
@@ -139,7 +139,7 @@
   </p:defaultTextStyle>
   <p:extLst>
     <p:ext uri="{EFAFB233-063F-42B5-8137-9DF3F51BA10A}">
-      <p15:sldGuideLst xmlns:p15="http://schemas.microsoft.com/office/powerpoint/2012/main" xmlns="">
+      <p15:sldGuideLst xmlns="" xmlns:p15="http://schemas.microsoft.com/office/powerpoint/2012/main">
         <p15:guide id="1" orient="horz" pos="3224">
           <p15:clr>
             <a:srgbClr val="A4A3A4"/>
@@ -2614,7 +2614,7 @@
           <a:graphicData uri="http://schemas.openxmlformats.org/presentationml/2006/ole">
             <mc:AlternateContent xmlns:mc="http://schemas.openxmlformats.org/markup-compatibility/2006">
               <mc:Choice xmlns:v="urn:schemas-microsoft-com:vml" Requires="v">
-                <p:oleObj spid="_x0000_s1066" name="CorelDRAW" r:id="rId14" imgW="8828280" imgH="313200" progId="CorelDRAW.Graphic.13">
+                <p:oleObj spid="_x0000_s1072" name="CorelDRAW" r:id="rId14" imgW="8828280" imgH="313200" progId="CorelDRAW.Graphic.13">
                   <p:embed/>
                 </p:oleObj>
               </mc:Choice>
@@ -3478,7 +3478,13 @@
               <a:rPr lang="en-US" altLang="en-US" sz="3600" b="1" dirty="0" smtClean="0">
                 <a:latin typeface="+mj-lt"/>
               </a:rPr>
-              <a:t>California State Legislature</a:t>
+              <a:t>California </a:t>
+            </a:r>
+            <a:r>
+              <a:rPr lang="en-US" altLang="en-US" sz="3600" b="1" dirty="0" smtClean="0">
+                <a:latin typeface="+mj-lt"/>
+              </a:rPr>
+              <a:t>State Legislature</a:t>
             </a:r>
           </a:p>
           <a:p>
@@ -3568,7 +3574,7 @@
         </p:nvSpPr>
         <p:spPr bwMode="auto">
           <a:xfrm>
-            <a:off x="514350" y="9209329"/>
+            <a:off x="514350" y="9350435"/>
             <a:ext cx="7372350" cy="1004662"/>
           </a:xfrm>
           <a:prstGeom prst="rect">
@@ -3717,7 +3723,7 @@
               </a:spcBef>
             </a:pPr>
             <a:r>
-              <a:rPr lang="en-US" altLang="en-US" sz="5000" b="1" dirty="0" smtClean="0"/>
+              <a:rPr lang="en-US" altLang="en-US" sz="4400" b="1" dirty="0" smtClean="0"/>
               <a:t>Data</a:t>
             </a:r>
             <a:r>
@@ -3726,11 +3732,7 @@
             </a:r>
             <a:r>
               <a:rPr lang="en-US" altLang="en-US" sz="3000" b="1" dirty="0" smtClean="0"/>
-              <a:t>(1974 </a:t>
-            </a:r>
-            <a:r>
-              <a:rPr lang="en-US" altLang="en-US" sz="3000" b="1" dirty="0" smtClean="0"/>
-              <a:t>to present)</a:t>
+              <a:t>(1974 to present)</a:t>
             </a:r>
             <a:endParaRPr lang="en-US" altLang="en-US" sz="3000" b="1" dirty="0"/>
           </a:p>
@@ -4429,7 +4431,7 @@
         <p:spPr bwMode="auto">
           <a:xfrm>
             <a:off x="25122578" y="16800697"/>
-            <a:ext cx="6229350" cy="773830"/>
+            <a:ext cx="6229350" cy="743052"/>
           </a:xfrm>
           <a:prstGeom prst="rect">
             <a:avLst/>
@@ -4577,7 +4579,7 @@
               </a:spcBef>
             </a:pPr>
             <a:r>
-              <a:rPr lang="en-US" altLang="en-US" sz="4600" dirty="0" smtClean="0"/>
+              <a:rPr lang="en-US" altLang="en-US" sz="4400" dirty="0" smtClean="0"/>
               <a:t>References</a:t>
             </a:r>
           </a:p>
@@ -5015,21 +5017,7 @@
                 <a:latin typeface="Arial"/>
                 <a:cs typeface="Arial"/>
               </a:rPr>
-              <a:t>, Carl. </a:t>
-            </a:r>
-            <a:r>
-              <a:rPr lang="en-US" altLang="en-US" sz="2000" b="1" dirty="0" smtClean="0">
-                <a:latin typeface="Arial"/>
-                <a:cs typeface="Arial"/>
-              </a:rPr>
-              <a:t>California</a:t>
-            </a:r>
-            <a:r>
-              <a:rPr lang="en-US" altLang="en-US" sz="2000" b="1" dirty="0" smtClean="0">
-                <a:latin typeface="Arial"/>
-                <a:cs typeface="Arial"/>
-              </a:rPr>
-              <a:t> State Legislative Forecast Data.</a:t>
+              <a:t>, Carl. California State Legislative Forecast Data.</a:t>
             </a:r>
             <a:endParaRPr lang="en-US" altLang="en-US" sz="2000" b="1" dirty="0">
               <a:latin typeface="Arial"/>
@@ -5150,28 +5138,7 @@
                 <a:latin typeface="Arial"/>
                 <a:cs typeface="Arial"/>
               </a:rPr>
-              <a:t>Table 2.1. P</a:t>
-            </a:r>
-            <a:r>
-              <a:rPr lang="en-US" altLang="en-US" sz="2000" b="1" dirty="0" smtClean="0">
-                <a:latin typeface="Arial"/>
-                <a:cs typeface="Arial"/>
-              </a:rPr>
-              <a:t>ersonal Income and </a:t>
-            </a:r>
-            <a:r>
-              <a:rPr lang="en-US" altLang="en-US" sz="2000" b="1" dirty="0" smtClean="0">
-                <a:latin typeface="Arial"/>
-                <a:cs typeface="Arial"/>
-              </a:rPr>
-              <a:t>Its Disposition. </a:t>
-            </a:r>
-            <a:r>
-              <a:rPr lang="en-US" altLang="en-US" sz="2000" b="1" dirty="0" smtClean="0">
-                <a:latin typeface="Arial"/>
-                <a:cs typeface="Arial"/>
-              </a:rPr>
-              <a:t>US Bureau of </a:t>
+              <a:t>Table 2.1. Personal Income and Its Disposition. US Bureau of </a:t>
             </a:r>
             <a:r>
               <a:rPr lang="en-US" altLang="en-US" sz="2000" b="1" dirty="0">
@@ -5187,10 +5154,6 @@
               </a:rPr>
               <a:t>.</a:t>
             </a:r>
-            <a:endParaRPr lang="en-US" altLang="en-US" sz="2000" b="1" dirty="0" smtClean="0">
-              <a:latin typeface="Arial"/>
-              <a:cs typeface="Arial"/>
-            </a:endParaRPr>
           </a:p>
           <a:p>
             <a:pPr marL="0" indent="0" eaLnBrk="0" hangingPunct="0">
@@ -5237,8 +5200,8 @@
         </p:nvSpPr>
         <p:spPr bwMode="auto">
           <a:xfrm>
-            <a:off x="24637586" y="6571768"/>
-            <a:ext cx="7309264" cy="10967233"/>
+            <a:off x="24637586" y="6092005"/>
+            <a:ext cx="7309264" cy="11435053"/>
           </a:xfrm>
           <a:prstGeom prst="rect">
             <a:avLst/>
@@ -5509,12 +5472,30 @@
                 <a:spcPct val="95000"/>
               </a:lnSpc>
             </a:pPr>
+            <a:endParaRPr lang="en-US" altLang="en-US" sz="3200" b="1" dirty="0" smtClean="0">
+              <a:latin typeface="Arial"/>
+              <a:cs typeface="Arial"/>
+            </a:endParaRPr>
+          </a:p>
+          <a:p>
+            <a:pPr marL="652463" lvl="2" eaLnBrk="0" hangingPunct="0">
+              <a:lnSpc>
+                <a:spcPct val="95000"/>
+              </a:lnSpc>
+            </a:pPr>
             <a:r>
               <a:rPr lang="en-US" altLang="en-US" sz="3200" b="1" dirty="0" smtClean="0">
                 <a:latin typeface="Arial"/>
                 <a:cs typeface="Arial"/>
               </a:rPr>
-              <a:t>Why?</a:t>
+              <a:t>Why</a:t>
+            </a:r>
+            <a:r>
+              <a:rPr lang="en-US" altLang="en-US" sz="3200" b="1" dirty="0" smtClean="0">
+                <a:latin typeface="Arial"/>
+                <a:cs typeface="Arial"/>
+              </a:rPr>
+              <a:t>?</a:t>
             </a:r>
           </a:p>
           <a:p>
@@ -5603,7 +5584,7 @@
         <p:spPr bwMode="auto">
           <a:xfrm>
             <a:off x="585304" y="3415483"/>
-            <a:ext cx="7372350" cy="835385"/>
+            <a:ext cx="7372350" cy="743052"/>
           </a:xfrm>
           <a:prstGeom prst="rect">
             <a:avLst/>
@@ -5751,7 +5732,7 @@
               </a:spcBef>
             </a:pPr>
             <a:r>
-              <a:rPr lang="en-US" altLang="en-US" sz="5000" b="1" dirty="0"/>
+              <a:rPr lang="en-US" altLang="en-US" sz="4400" b="1" dirty="0"/>
               <a:t>Introduction</a:t>
             </a:r>
           </a:p>
@@ -5768,7 +5749,7 @@
         <p:spPr bwMode="auto">
           <a:xfrm>
             <a:off x="24606043" y="4368800"/>
-            <a:ext cx="7372350" cy="1943381"/>
+            <a:ext cx="7372350" cy="1420161"/>
           </a:xfrm>
           <a:prstGeom prst="rect">
             <a:avLst/>
@@ -5916,10 +5897,10 @@
               </a:spcBef>
             </a:pPr>
             <a:r>
-              <a:rPr lang="en-US" altLang="en-US" b="1" dirty="0" smtClean="0"/>
+              <a:rPr lang="en-US" altLang="en-US" sz="4400" b="1" dirty="0" smtClean="0"/>
               <a:t>How to model for state elections</a:t>
             </a:r>
-            <a:endParaRPr lang="en-US" altLang="en-US" b="1" dirty="0"/>
+            <a:endParaRPr lang="en-US" altLang="en-US" sz="4400" b="1" dirty="0"/>
           </a:p>
         </p:txBody>
       </p:sp>
@@ -6166,7 +6147,7 @@
         <p:spPr>
           <a:xfrm>
             <a:off x="10184405" y="14852424"/>
-            <a:ext cx="12358606" cy="1031051"/>
+            <a:ext cx="12358606" cy="769441"/>
           </a:xfrm>
           <a:prstGeom prst="rect">
             <a:avLst/>
@@ -6180,18 +6161,18 @@
           <a:lstStyle/>
           <a:p>
             <a:r>
-              <a:rPr lang="en-US" b="1" dirty="0" smtClean="0"/>
+              <a:rPr lang="en-US" sz="4400" b="1" dirty="0" smtClean="0"/>
               <a:t>2018 Election Results </a:t>
             </a:r>
             <a:r>
-              <a:rPr lang="en-US" b="1" dirty="0"/>
+              <a:rPr lang="en-US" sz="4400" b="1" dirty="0"/>
               <a:t>F</a:t>
             </a:r>
             <a:r>
-              <a:rPr lang="en-US" b="1" dirty="0" smtClean="0"/>
+              <a:rPr lang="en-US" sz="4400" b="1" dirty="0" smtClean="0"/>
               <a:t>orecast</a:t>
             </a:r>
-            <a:endParaRPr lang="en-US" dirty="0"/>
+            <a:endParaRPr lang="en-US" sz="4400" dirty="0"/>
           </a:p>
         </p:txBody>
       </p:sp>
@@ -6602,7 +6583,7 @@
       </p:pic>
       <p:pic>
         <p:nvPicPr>
-          <p:cNvPr id="17" name="Picture 16" descr="Screen Shot 2017-05-10 at 1.38.29 AM.png"/>
+          <p:cNvPr id="18" name="Picture 17" descr="Screen Shot 2017-05-16 at 8.44.03 PM.png"/>
           <p:cNvPicPr>
             <a:picLocks noChangeAspect="1"/>
           </p:cNvPicPr>
@@ -6622,8 +6603,8 @@
         </p:blipFill>
         <p:spPr>
           <a:xfrm>
-            <a:off x="26561685" y="11098064"/>
-            <a:ext cx="3467100" cy="1384300"/>
+            <a:off x="26771769" y="10720955"/>
+            <a:ext cx="3073400" cy="1663700"/>
           </a:xfrm>
           <a:prstGeom prst="rect">
             <a:avLst/>

--- a/FinalProject/CA_presentation.pptx
+++ b/FinalProject/CA_presentation.pptx
@@ -2614,7 +2614,7 @@
           <a:graphicData uri="http://schemas.openxmlformats.org/presentationml/2006/ole">
             <mc:AlternateContent xmlns:mc="http://schemas.openxmlformats.org/markup-compatibility/2006">
               <mc:Choice xmlns:v="urn:schemas-microsoft-com:vml" Requires="v">
-                <p:oleObj spid="_x0000_s1072" name="CorelDRAW" r:id="rId14" imgW="8828280" imgH="313200" progId="CorelDRAW.Graphic.13">
+                <p:oleObj spid="_x0000_s1077" name="CorelDRAW" r:id="rId14" imgW="8828280" imgH="313200" progId="CorelDRAW.Graphic.13">
                   <p:embed/>
                 </p:oleObj>
               </mc:Choice>
@@ -3310,7 +3310,7 @@
           <a:bodyPr wrap="none" anchor="ctr"/>
           <a:lstStyle/>
           <a:p>
-            <a:endParaRPr lang="en-US"/>
+            <a:endParaRPr lang="en-US" dirty="0"/>
           </a:p>
         </p:txBody>
       </p:sp>
@@ -3324,7 +3324,7 @@
         </p:nvSpPr>
         <p:spPr bwMode="auto">
           <a:xfrm>
-            <a:off x="615800" y="4365090"/>
+            <a:off x="615800" y="5381058"/>
             <a:ext cx="7334250" cy="4747225"/>
           </a:xfrm>
           <a:prstGeom prst="rect">
@@ -3574,7 +3574,7 @@
         </p:nvSpPr>
         <p:spPr bwMode="auto">
           <a:xfrm>
-            <a:off x="514350" y="9350435"/>
+            <a:off x="514350" y="9547984"/>
             <a:ext cx="7372350" cy="1004662"/>
           </a:xfrm>
           <a:prstGeom prst="rect">
@@ -5732,9 +5732,10 @@
               </a:spcBef>
             </a:pPr>
             <a:r>
-              <a:rPr lang="en-US" altLang="en-US" sz="4400" b="1" dirty="0"/>
-              <a:t>Introduction</a:t>
-            </a:r>
+              <a:rPr lang="en-US" altLang="en-US" sz="4400" b="1" dirty="0" smtClean="0"/>
+              <a:t>Objective</a:t>
+            </a:r>
+            <a:endParaRPr lang="en-US" altLang="en-US" sz="4400" b="1" dirty="0"/>
           </a:p>
         </p:txBody>
       </p:sp>
@@ -6573,8 +6574,8 @@
         </p:blipFill>
         <p:spPr>
           <a:xfrm>
-            <a:off x="1493569" y="18122818"/>
-            <a:ext cx="5395598" cy="3105257"/>
+            <a:off x="1439363" y="18205321"/>
+            <a:ext cx="5252243" cy="3022754"/>
           </a:xfrm>
           <a:prstGeom prst="rect">
             <a:avLst/>
@@ -6611,6 +6612,171 @@
           </a:prstGeom>
         </p:spPr>
       </p:pic>
+      <p:sp>
+        <p:nvSpPr>
+          <p:cNvPr id="36" name="Text Box 42"/>
+          <p:cNvSpPr txBox="1">
+            <a:spLocks noChangeArrowheads="1"/>
+          </p:cNvSpPr>
+          <p:nvPr/>
+        </p:nvSpPr>
+        <p:spPr bwMode="auto">
+          <a:xfrm>
+            <a:off x="596590" y="4527409"/>
+            <a:ext cx="7372350" cy="743052"/>
+          </a:xfrm>
+          <a:prstGeom prst="rect">
+            <a:avLst/>
+          </a:prstGeom>
+          <a:noFill/>
+          <a:ln>
+            <a:noFill/>
+          </a:ln>
+          <a:effectLst/>
+          <a:extLst>
+            <a:ext uri="{909E8E84-426E-40dd-AFC4-6F175D3DCCD1}">
+              <a14:hiddenFill xmlns:a14="http://schemas.microsoft.com/office/drawing/2010/main">
+                <a:solidFill>
+                  <a:schemeClr val="accent1"/>
+                </a:solidFill>
+              </a14:hiddenFill>
+            </a:ext>
+            <a:ext uri="{91240B29-F687-4f45-9708-019B960494DF}">
+              <a14:hiddenLine xmlns:a14="http://schemas.microsoft.com/office/drawing/2010/main" w="9525">
+                <a:solidFill>
+                  <a:schemeClr val="tx1"/>
+                </a:solidFill>
+                <a:miter lim="800000"/>
+                <a:headEnd/>
+                <a:tailEnd/>
+              </a14:hiddenLine>
+            </a:ext>
+            <a:ext uri="{AF507438-7753-43e0-B8FC-AC1667EBCBE1}">
+              <a14:hiddenEffects xmlns:a14="http://schemas.microsoft.com/office/drawing/2010/main">
+                <a:effectLst>
+                  <a:outerShdw dist="35921" dir="2700000" algn="ctr" rotWithShape="0">
+                    <a:schemeClr val="bg2"/>
+                  </a:outerShdw>
+                </a:effectLst>
+              </a14:hiddenEffects>
+            </a:ext>
+          </a:extLst>
+        </p:spPr>
+        <p:txBody>
+          <a:bodyPr lIns="65306" tIns="32653" rIns="65306" bIns="32653">
+            <a:spAutoFit/>
+          </a:bodyPr>
+          <a:lstStyle>
+            <a:lvl1pPr algn="l" defTabSz="3135313">
+              <a:defRPr>
+                <a:solidFill>
+                  <a:schemeClr val="tx1"/>
+                </a:solidFill>
+                <a:latin typeface="Arial" charset="0"/>
+              </a:defRPr>
+            </a:lvl1pPr>
+            <a:lvl2pPr marL="327025" algn="l" defTabSz="3135313">
+              <a:defRPr>
+                <a:solidFill>
+                  <a:schemeClr val="tx1"/>
+                </a:solidFill>
+                <a:latin typeface="Arial" charset="0"/>
+              </a:defRPr>
+            </a:lvl2pPr>
+            <a:lvl3pPr marL="652463" algn="l" defTabSz="3135313">
+              <a:defRPr>
+                <a:solidFill>
+                  <a:schemeClr val="tx1"/>
+                </a:solidFill>
+                <a:latin typeface="Arial" charset="0"/>
+              </a:defRPr>
+            </a:lvl3pPr>
+            <a:lvl4pPr marL="979488" algn="l" defTabSz="3135313">
+              <a:defRPr>
+                <a:solidFill>
+                  <a:schemeClr val="tx1"/>
+                </a:solidFill>
+                <a:latin typeface="Arial" charset="0"/>
+              </a:defRPr>
+            </a:lvl4pPr>
+            <a:lvl5pPr marL="1306513" algn="l" defTabSz="3135313">
+              <a:defRPr>
+                <a:solidFill>
+                  <a:schemeClr val="tx1"/>
+                </a:solidFill>
+                <a:latin typeface="Arial" charset="0"/>
+              </a:defRPr>
+            </a:lvl5pPr>
+            <a:lvl6pPr marL="1763713" defTabSz="3135313" fontAlgn="base">
+              <a:spcBef>
+                <a:spcPct val="0"/>
+              </a:spcBef>
+              <a:spcAft>
+                <a:spcPct val="0"/>
+              </a:spcAft>
+              <a:defRPr>
+                <a:solidFill>
+                  <a:schemeClr val="tx1"/>
+                </a:solidFill>
+                <a:latin typeface="Arial" charset="0"/>
+              </a:defRPr>
+            </a:lvl6pPr>
+            <a:lvl7pPr marL="2220913" defTabSz="3135313" fontAlgn="base">
+              <a:spcBef>
+                <a:spcPct val="0"/>
+              </a:spcBef>
+              <a:spcAft>
+                <a:spcPct val="0"/>
+              </a:spcAft>
+              <a:defRPr>
+                <a:solidFill>
+                  <a:schemeClr val="tx1"/>
+                </a:solidFill>
+                <a:latin typeface="Arial" charset="0"/>
+              </a:defRPr>
+            </a:lvl7pPr>
+            <a:lvl8pPr marL="2678113" defTabSz="3135313" fontAlgn="base">
+              <a:spcBef>
+                <a:spcPct val="0"/>
+              </a:spcBef>
+              <a:spcAft>
+                <a:spcPct val="0"/>
+              </a:spcAft>
+              <a:defRPr>
+                <a:solidFill>
+                  <a:schemeClr val="tx1"/>
+                </a:solidFill>
+                <a:latin typeface="Arial" charset="0"/>
+              </a:defRPr>
+            </a:lvl8pPr>
+            <a:lvl9pPr marL="3135313" defTabSz="3135313" fontAlgn="base">
+              <a:spcBef>
+                <a:spcPct val="0"/>
+              </a:spcBef>
+              <a:spcAft>
+                <a:spcPct val="0"/>
+              </a:spcAft>
+              <a:defRPr>
+                <a:solidFill>
+                  <a:schemeClr val="tx1"/>
+                </a:solidFill>
+                <a:latin typeface="Arial" charset="0"/>
+              </a:defRPr>
+            </a:lvl9pPr>
+          </a:lstStyle>
+          <a:p>
+            <a:pPr algn="ctr">
+              <a:spcBef>
+                <a:spcPct val="50000"/>
+              </a:spcBef>
+            </a:pPr>
+            <a:r>
+              <a:rPr lang="en-US" altLang="en-US" sz="4400" b="1" dirty="0"/>
+              <a:t>Introduction</a:t>
+            </a:r>
+          </a:p>
+        </p:txBody>
+      </p:sp>
     </p:spTree>
   </p:cSld>
   <p:clrMapOvr>

--- a/FinalProject/CA_presentation.pptx
+++ b/FinalProject/CA_presentation.pptx
@@ -139,7 +139,7 @@
   </p:defaultTextStyle>
   <p:extLst>
     <p:ext uri="{EFAFB233-063F-42B5-8137-9DF3F51BA10A}">
-      <p15:sldGuideLst xmlns="" xmlns:p15="http://schemas.microsoft.com/office/powerpoint/2012/main">
+      <p15:sldGuideLst xmlns:p15="http://schemas.microsoft.com/office/powerpoint/2012/main" xmlns="">
         <p15:guide id="1" orient="horz" pos="3224">
           <p15:clr>
             <a:srgbClr val="A4A3A4"/>
@@ -2614,7 +2614,7 @@
           <a:graphicData uri="http://schemas.openxmlformats.org/presentationml/2006/ole">
             <mc:AlternateContent xmlns:mc="http://schemas.openxmlformats.org/markup-compatibility/2006">
               <mc:Choice xmlns:v="urn:schemas-microsoft-com:vml" Requires="v">
-                <p:oleObj spid="_x0000_s1077" name="CorelDRAW" r:id="rId14" imgW="8828280" imgH="313200" progId="CorelDRAW.Graphic.13">
+                <p:oleObj spid="_x0000_s1081" name="CorelDRAW" r:id="rId14" imgW="8828280" imgH="313200" progId="CorelDRAW.Graphic.13">
                   <p:embed/>
                 </p:oleObj>
               </mc:Choice>
@@ -3324,8 +3324,8 @@
         </p:nvSpPr>
         <p:spPr bwMode="auto">
           <a:xfrm>
-            <a:off x="615800" y="5381058"/>
-            <a:ext cx="7334250" cy="4747225"/>
+            <a:off x="615800" y="7300108"/>
+            <a:ext cx="7334250" cy="3811585"/>
           </a:xfrm>
           <a:prstGeom prst="rect">
             <a:avLst/>
@@ -3475,16 +3475,10 @@
               <a:buChar char="•"/>
             </a:pPr>
             <a:r>
-              <a:rPr lang="en-US" altLang="en-US" sz="3600" b="1" dirty="0" smtClean="0">
+              <a:rPr lang="en-US" altLang="en-US" sz="3000" b="1" dirty="0" smtClean="0">
                 <a:latin typeface="+mj-lt"/>
               </a:rPr>
-              <a:t>California </a:t>
-            </a:r>
-            <a:r>
-              <a:rPr lang="en-US" altLang="en-US" sz="3600" b="1" dirty="0" smtClean="0">
-                <a:latin typeface="+mj-lt"/>
-              </a:rPr>
-              <a:t>State Legislature</a:t>
+              <a:t>California State Legislature</a:t>
             </a:r>
           </a:p>
           <a:p>
@@ -3496,7 +3490,7 @@
               <a:buChar char="•"/>
             </a:pPr>
             <a:r>
-              <a:rPr lang="en-US" altLang="en-US" sz="3200" dirty="0" smtClean="0">
+              <a:rPr lang="en-US" altLang="en-US" sz="2800" dirty="0" smtClean="0">
                 <a:latin typeface="+mj-lt"/>
               </a:rPr>
               <a:t>Senate: 40 Seats (4 year term)</a:t>
@@ -3511,14 +3505,11 @@
               <a:buChar char="•"/>
             </a:pPr>
             <a:r>
-              <a:rPr lang="en-US" altLang="en-US" sz="3200" dirty="0" smtClean="0">
+              <a:rPr lang="en-US" altLang="en-US" sz="2800" dirty="0" smtClean="0">
                 <a:latin typeface="+mj-lt"/>
               </a:rPr>
               <a:t> House/Assembly: 80 Seats (2 year term) </a:t>
             </a:r>
-            <a:endParaRPr lang="en-US" altLang="en-US" sz="3600" dirty="0" smtClean="0">
-              <a:latin typeface="+mj-lt"/>
-            </a:endParaRPr>
           </a:p>
           <a:p>
             <a:pPr marL="342900" indent="-342900" eaLnBrk="0" hangingPunct="0">
@@ -3529,7 +3520,7 @@
               <a:buChar char="•"/>
             </a:pPr>
             <a:r>
-              <a:rPr lang="en-US" altLang="en-US" sz="3600" b="1" dirty="0" smtClean="0">
+              <a:rPr lang="en-US" altLang="en-US" sz="3000" b="1" dirty="0" smtClean="0">
                 <a:latin typeface="+mj-lt"/>
               </a:rPr>
               <a:t>State Partisanship</a:t>
@@ -3544,7 +3535,7 @@
               <a:buChar char="•"/>
             </a:pPr>
             <a:r>
-              <a:rPr lang="en-US" altLang="en-US" sz="3200" dirty="0" smtClean="0">
+              <a:rPr lang="en-US" altLang="en-US" sz="2800" dirty="0" smtClean="0">
                 <a:latin typeface="+mj-lt"/>
               </a:rPr>
               <a:t>48 out of 80 assembly districts and 25 out of 40 senate districts have elected Democrats more times than Republicans since 1974</a:t>
@@ -3574,7 +3565,7 @@
         </p:nvSpPr>
         <p:spPr bwMode="auto">
           <a:xfrm>
-            <a:off x="514350" y="9547984"/>
+            <a:off x="514350" y="10563951"/>
             <a:ext cx="7372350" cy="1004662"/>
           </a:xfrm>
           <a:prstGeom prst="rect">
@@ -3723,7 +3714,7 @@
               </a:spcBef>
             </a:pPr>
             <a:r>
-              <a:rPr lang="en-US" altLang="en-US" sz="4400" b="1" dirty="0" smtClean="0"/>
+              <a:rPr lang="en-US" altLang="en-US" sz="4200" b="1" dirty="0" smtClean="0"/>
               <a:t>Data</a:t>
             </a:r>
             <a:r>
@@ -3731,10 +3722,10 @@
               <a:t> </a:t>
             </a:r>
             <a:r>
-              <a:rPr lang="en-US" altLang="en-US" sz="3000" b="1" dirty="0" smtClean="0"/>
+              <a:rPr lang="en-US" altLang="en-US" sz="2800" b="1" dirty="0" smtClean="0"/>
               <a:t>(1974 to present)</a:t>
             </a:r>
-            <a:endParaRPr lang="en-US" altLang="en-US" sz="3000" b="1" dirty="0"/>
+            <a:endParaRPr lang="en-US" altLang="en-US" sz="2800" b="1" dirty="0"/>
           </a:p>
         </p:txBody>
       </p:sp>
@@ -4052,7 +4043,7 @@
           </a:lstStyle>
           <a:p>
             <a:pPr algn="ctr"/>
-            <a:endParaRPr lang="en-US" altLang="en-US">
+            <a:endParaRPr lang="en-US" altLang="en-US" dirty="0">
               <a:solidFill>
                 <a:schemeClr val="bg1"/>
               </a:solidFill>
@@ -4431,7 +4422,7 @@
         <p:spPr bwMode="auto">
           <a:xfrm>
             <a:off x="25122578" y="16800697"/>
-            <a:ext cx="6229350" cy="743052"/>
+            <a:ext cx="6229350" cy="712275"/>
           </a:xfrm>
           <a:prstGeom prst="rect">
             <a:avLst/>
@@ -4579,7 +4570,7 @@
               </a:spcBef>
             </a:pPr>
             <a:r>
-              <a:rPr lang="en-US" altLang="en-US" sz="4400" dirty="0" smtClean="0"/>
+              <a:rPr lang="en-US" altLang="en-US" sz="4200" dirty="0" smtClean="0"/>
               <a:t>References</a:t>
             </a:r>
           </a:p>
@@ -4595,8 +4586,8 @@
         </p:nvSpPr>
         <p:spPr bwMode="auto">
           <a:xfrm>
-            <a:off x="738946" y="10576842"/>
-            <a:ext cx="7067550" cy="7430750"/>
+            <a:off x="738946" y="11564588"/>
+            <a:ext cx="7067550" cy="6507421"/>
           </a:xfrm>
           <a:prstGeom prst="rect">
             <a:avLst/>
@@ -4743,7 +4734,7 @@
               <a:buChar char="•"/>
             </a:pPr>
             <a:r>
-              <a:rPr lang="en-US" altLang="en-US" sz="3200" dirty="0" smtClean="0">
+              <a:rPr lang="en-US" altLang="en-US" sz="2800" dirty="0" smtClean="0">
                 <a:latin typeface="+mj-lt"/>
               </a:rPr>
               <a:t>Upper and lower house districts’ voting totals awarded to democratic and republican candidates for the following seats:</a:t>
@@ -4755,7 +4746,7 @@
               <a:buChar char="•"/>
             </a:pPr>
             <a:r>
-              <a:rPr lang="en-US" altLang="en-US" sz="3200" dirty="0" smtClean="0">
+              <a:rPr lang="en-US" altLang="en-US" sz="2800" dirty="0" smtClean="0">
                 <a:latin typeface="+mj-lt"/>
               </a:rPr>
               <a:t>Legislature</a:t>
@@ -4767,7 +4758,7 @@
               <a:buChar char="•"/>
             </a:pPr>
             <a:r>
-              <a:rPr lang="en-US" altLang="en-US" sz="3200" dirty="0" smtClean="0">
+              <a:rPr lang="en-US" altLang="en-US" sz="2800" dirty="0" smtClean="0">
                 <a:latin typeface="+mj-lt"/>
               </a:rPr>
               <a:t>US President</a:t>
@@ -4779,7 +4770,7 @@
               <a:buChar char="•"/>
             </a:pPr>
             <a:r>
-              <a:rPr lang="en-US" altLang="en-US" sz="3200" dirty="0" smtClean="0">
+              <a:rPr lang="en-US" altLang="en-US" sz="2800" dirty="0" smtClean="0">
                 <a:latin typeface="+mj-lt"/>
               </a:rPr>
               <a:t>California governor</a:t>
@@ -4791,7 +4782,7 @@
               <a:buChar char="•"/>
             </a:pPr>
             <a:r>
-              <a:rPr lang="en-US" altLang="en-US" sz="3200" dirty="0" smtClean="0">
+              <a:rPr lang="en-US" altLang="en-US" sz="2800" dirty="0" smtClean="0">
                 <a:latin typeface="+mj-lt"/>
               </a:rPr>
               <a:t>US Senate</a:t>
@@ -4803,7 +4794,7 @@
               <a:buChar char="•"/>
             </a:pPr>
             <a:r>
-              <a:rPr lang="en-US" altLang="en-US" sz="3200" dirty="0" smtClean="0">
+              <a:rPr lang="en-US" altLang="en-US" sz="2800" dirty="0" smtClean="0">
                 <a:latin typeface="+mj-lt"/>
               </a:rPr>
               <a:t>Quarterly average real personal income (national level)</a:t>
@@ -4815,7 +4806,7 @@
               <a:buChar char="•"/>
             </a:pPr>
             <a:r>
-              <a:rPr lang="en-US" altLang="en-US" sz="3200" dirty="0" smtClean="0">
+              <a:rPr lang="en-US" altLang="en-US" sz="2800" dirty="0" smtClean="0">
                 <a:latin typeface="+mj-lt"/>
               </a:rPr>
               <a:t>Presidential approval ratings (national level)</a:t>
@@ -4827,7 +4818,7 @@
               <a:buChar char="•"/>
             </a:pPr>
             <a:r>
-              <a:rPr lang="en-US" altLang="en-US" sz="3200" dirty="0" smtClean="0">
+              <a:rPr lang="en-US" altLang="en-US" sz="2800" dirty="0" smtClean="0">
                 <a:latin typeface="+mj-lt"/>
               </a:rPr>
               <a:t>Incumbency status of legislative candidates</a:t>
@@ -4839,7 +4830,7 @@
               <a:buChar char="•"/>
             </a:pPr>
             <a:r>
-              <a:rPr lang="en-US" altLang="en-US" sz="3200" dirty="0" smtClean="0">
+              <a:rPr lang="en-US" altLang="en-US" sz="2800" dirty="0" smtClean="0">
                 <a:latin typeface="+mj-lt"/>
               </a:rPr>
               <a:t>Midterm penalty</a:t>
@@ -5201,7 +5192,7 @@
         <p:spPr bwMode="auto">
           <a:xfrm>
             <a:off x="24637586" y="6092005"/>
-            <a:ext cx="7309264" cy="11435053"/>
+            <a:ext cx="7309264" cy="10674843"/>
           </a:xfrm>
           <a:prstGeom prst="rect">
             <a:avLst/>
@@ -5362,7 +5353,7 @@
               <a:buChar char="•"/>
             </a:pPr>
             <a:r>
-              <a:rPr lang="en-US" altLang="en-US" sz="3200" dirty="0" smtClean="0"/>
+              <a:rPr lang="en-US" altLang="en-US" sz="3000" dirty="0" smtClean="0"/>
               <a:t>Intercepts vary by chamber-district</a:t>
             </a:r>
           </a:p>
@@ -5375,7 +5366,7 @@
               <a:buChar char="•"/>
             </a:pPr>
             <a:r>
-              <a:rPr lang="en-US" altLang="en-US" sz="3200" dirty="0" smtClean="0"/>
+              <a:rPr lang="en-US" altLang="en-US" sz="3000" dirty="0" smtClean="0"/>
               <a:t>Fixed slopes for the variables:</a:t>
             </a:r>
           </a:p>
@@ -5388,7 +5379,7 @@
               <a:buChar char="•"/>
             </a:pPr>
             <a:r>
-              <a:rPr lang="en-US" altLang="en-US" sz="3200" dirty="0" smtClean="0"/>
+              <a:rPr lang="en-US" altLang="en-US" sz="3000" dirty="0" smtClean="0"/>
               <a:t>Midterm penalty</a:t>
             </a:r>
           </a:p>
@@ -5401,7 +5392,7 @@
               <a:buChar char="•"/>
             </a:pPr>
             <a:r>
-              <a:rPr lang="en-US" altLang="en-US" sz="3200" dirty="0" smtClean="0"/>
+              <a:rPr lang="en-US" altLang="en-US" sz="3000" dirty="0" smtClean="0"/>
               <a:t>Incumbency</a:t>
             </a:r>
           </a:p>
@@ -5414,10 +5405,10 @@
               <a:buChar char="•"/>
             </a:pPr>
             <a:r>
-              <a:rPr lang="en-US" altLang="en-US" sz="3200" dirty="0" smtClean="0"/>
+              <a:rPr lang="en-US" altLang="en-US" sz="3000" dirty="0" smtClean="0"/>
               <a:t>Proportion of votes for Democratic US Senate candidate from the previous election</a:t>
             </a:r>
-            <a:endParaRPr lang="en-US" altLang="en-US" sz="3200" dirty="0">
+            <a:endParaRPr lang="en-US" altLang="en-US" sz="3000" dirty="0">
               <a:latin typeface="Arial"/>
               <a:cs typeface="Arial"/>
             </a:endParaRPr>
@@ -5483,6 +5474,17 @@
                 <a:spcPct val="95000"/>
               </a:lnSpc>
             </a:pPr>
+            <a:endParaRPr lang="en-US" altLang="en-US" sz="3200" b="1" dirty="0" smtClean="0">
+              <a:latin typeface="Arial"/>
+              <a:cs typeface="Arial"/>
+            </a:endParaRPr>
+          </a:p>
+          <a:p>
+            <a:pPr marL="652463" lvl="2" eaLnBrk="0" hangingPunct="0">
+              <a:lnSpc>
+                <a:spcPct val="95000"/>
+              </a:lnSpc>
+            </a:pPr>
             <a:r>
               <a:rPr lang="en-US" altLang="en-US" sz="3200" b="1" dirty="0" smtClean="0">
                 <a:latin typeface="Arial"/>
@@ -5507,7 +5509,7 @@
               <a:buChar char="•"/>
             </a:pPr>
             <a:r>
-              <a:rPr lang="en-US" altLang="en-US" sz="3200" dirty="0" smtClean="0">
+              <a:rPr lang="en-US" altLang="en-US" sz="3000" dirty="0" smtClean="0">
                 <a:latin typeface="Arial"/>
                 <a:cs typeface="Arial"/>
               </a:rPr>
@@ -5523,7 +5525,7 @@
               <a:buChar char="•"/>
             </a:pPr>
             <a:r>
-              <a:rPr lang="en-US" altLang="en-US" sz="3200" dirty="0" smtClean="0">
+              <a:rPr lang="en-US" altLang="en-US" sz="3000" dirty="0" smtClean="0">
                 <a:latin typeface="Arial"/>
                 <a:cs typeface="Arial"/>
               </a:rPr>
@@ -5539,21 +5541,19 @@
               <a:buChar char="•"/>
             </a:pPr>
             <a:r>
-              <a:rPr lang="en-US" altLang="en-US" sz="3200" dirty="0" smtClean="0">
+              <a:rPr lang="en-US" altLang="en-US" sz="3000" dirty="0" smtClean="0">
                 <a:latin typeface="Arial"/>
                 <a:cs typeface="Arial"/>
               </a:rPr>
-              <a:t>Useful for simulating future elections</a:t>
-            </a:r>
-          </a:p>
-          <a:p>
-            <a:pPr marL="995363" lvl="2" indent="-342900" eaLnBrk="0" hangingPunct="0">
-              <a:lnSpc>
-                <a:spcPct val="95000"/>
-              </a:lnSpc>
-              <a:buFont typeface="Arial"/>
-              <a:buChar char="•"/>
-            </a:pPr>
+              <a:t>Useful for simulating future </a:t>
+            </a:r>
+            <a:r>
+              <a:rPr lang="en-US" altLang="en-US" sz="3000" dirty="0" smtClean="0">
+                <a:latin typeface="Arial"/>
+                <a:cs typeface="Arial"/>
+              </a:rPr>
+              <a:t>elections</a:t>
+            </a:r>
             <a:endParaRPr lang="en-US" altLang="en-US" sz="2400" dirty="0">
               <a:latin typeface="Arial"/>
               <a:cs typeface="Arial"/>
@@ -5584,7 +5584,7 @@
         <p:spPr bwMode="auto">
           <a:xfrm>
             <a:off x="585304" y="3415483"/>
-            <a:ext cx="7372350" cy="743052"/>
+            <a:ext cx="7372350" cy="712275"/>
           </a:xfrm>
           <a:prstGeom prst="rect">
             <a:avLst/>
@@ -5732,10 +5732,10 @@
               </a:spcBef>
             </a:pPr>
             <a:r>
-              <a:rPr lang="en-US" altLang="en-US" sz="4400" b="1" dirty="0" smtClean="0"/>
+              <a:rPr lang="en-US" altLang="en-US" sz="4200" b="1" dirty="0" smtClean="0"/>
               <a:t>Objective</a:t>
             </a:r>
-            <a:endParaRPr lang="en-US" altLang="en-US" sz="4400" b="1" dirty="0"/>
+            <a:endParaRPr lang="en-US" altLang="en-US" sz="4200" b="1" dirty="0"/>
           </a:p>
         </p:txBody>
       </p:sp>
@@ -6148,7 +6148,7 @@
         <p:spPr>
           <a:xfrm>
             <a:off x="10184405" y="14852424"/>
-            <a:ext cx="12358606" cy="769441"/>
+            <a:ext cx="12358606" cy="738664"/>
           </a:xfrm>
           <a:prstGeom prst="rect">
             <a:avLst/>
@@ -6162,18 +6162,18 @@
           <a:lstStyle/>
           <a:p>
             <a:r>
-              <a:rPr lang="en-US" sz="4400" b="1" dirty="0" smtClean="0"/>
+              <a:rPr lang="en-US" sz="4200" b="1" dirty="0" smtClean="0"/>
               <a:t>2018 Election Results </a:t>
             </a:r>
             <a:r>
-              <a:rPr lang="en-US" sz="4400" b="1" dirty="0"/>
+              <a:rPr lang="en-US" sz="4200" b="1" dirty="0"/>
               <a:t>F</a:t>
             </a:r>
             <a:r>
-              <a:rPr lang="en-US" sz="4400" b="1" dirty="0" smtClean="0"/>
+              <a:rPr lang="en-US" sz="4200" b="1" dirty="0" smtClean="0"/>
               <a:t>orecast</a:t>
             </a:r>
-            <a:endParaRPr lang="en-US" sz="4400" dirty="0"/>
+            <a:endParaRPr lang="en-US" sz="4200" dirty="0"/>
           </a:p>
         </p:txBody>
       </p:sp>
@@ -6212,7 +6212,7 @@
         <p:spPr>
           <a:xfrm>
             <a:off x="11522116" y="3599173"/>
-            <a:ext cx="9474117" cy="769441"/>
+            <a:ext cx="9474117" cy="738664"/>
           </a:xfrm>
           <a:prstGeom prst="rect">
             <a:avLst/>
@@ -6231,10 +6231,10 @@
               </a:spcBef>
             </a:pPr>
             <a:r>
-              <a:rPr lang="en-US" altLang="en-US" sz="4400" b="1" dirty="0" smtClean="0"/>
+              <a:rPr lang="en-US" altLang="en-US" sz="4200" b="1" dirty="0" smtClean="0"/>
               <a:t>What determines state elections?</a:t>
             </a:r>
-            <a:endParaRPr lang="en-US" altLang="en-US" sz="4400" b="1" dirty="0"/>
+            <a:endParaRPr lang="en-US" altLang="en-US" sz="4200" b="1" dirty="0"/>
           </a:p>
         </p:txBody>
       </p:sp>
@@ -6277,7 +6277,7 @@
         <p:spPr>
           <a:xfrm>
             <a:off x="16840200" y="4699000"/>
-            <a:ext cx="6375400" cy="4031873"/>
+            <a:ext cx="6375400" cy="3785652"/>
           </a:xfrm>
           <a:prstGeom prst="rect">
             <a:avLst/>
@@ -6292,7 +6292,7 @@
           <a:p>
             <a:pPr algn="l"/>
             <a:r>
-              <a:rPr lang="en-US" sz="3200" dirty="0" smtClean="0"/>
+              <a:rPr lang="en-US" sz="3000" dirty="0" smtClean="0"/>
               <a:t>Incumbency</a:t>
             </a:r>
           </a:p>
@@ -6302,7 +6302,7 @@
               <a:buChar char="•"/>
             </a:pPr>
             <a:r>
-              <a:rPr lang="en-US" sz="3200" dirty="0" smtClean="0"/>
+              <a:rPr lang="en-US" sz="3000" dirty="0" smtClean="0"/>
               <a:t>Heavily increases chances of re-election (Figure 1)</a:t>
             </a:r>
           </a:p>
@@ -6312,14 +6312,14 @@
               <a:buChar char="•"/>
             </a:pPr>
             <a:r>
-              <a:rPr lang="en-US" sz="3200" dirty="0" smtClean="0"/>
+              <a:rPr lang="en-US" sz="3000" dirty="0" smtClean="0"/>
               <a:t>Democrats have seen increased success in elections with no incumbent (Figure 2)</a:t>
             </a:r>
           </a:p>
           <a:p>
             <a:pPr algn="l"/>
             <a:r>
-              <a:rPr lang="en-US" sz="3200" dirty="0" smtClean="0"/>
+              <a:rPr lang="en-US" sz="3000" dirty="0" smtClean="0"/>
               <a:t>Voting behavior and Presidential Approval Rating (Figure 3)</a:t>
             </a:r>
           </a:p>
@@ -6483,8 +6483,8 @@
         </p:nvSpPr>
         <p:spPr>
           <a:xfrm>
-            <a:off x="19250980" y="15925616"/>
-            <a:ext cx="4596214" cy="5016757"/>
+            <a:off x="19250980" y="16320714"/>
+            <a:ext cx="4596214" cy="3816429"/>
           </a:xfrm>
           <a:prstGeom prst="rect">
             <a:avLst/>
@@ -6499,7 +6499,7 @@
           <a:p>
             <a:pPr algn="l"/>
             <a:r>
-              <a:rPr lang="en-US" sz="3200" dirty="0" smtClean="0"/>
+              <a:rPr lang="en-US" sz="3000" dirty="0" smtClean="0"/>
               <a:t>Vote Expectations</a:t>
             </a:r>
           </a:p>
@@ -6509,7 +6509,7 @@
               <a:buChar char="•"/>
             </a:pPr>
             <a:r>
-              <a:rPr lang="en-US" sz="3200" dirty="0" smtClean="0"/>
+              <a:rPr lang="en-US" sz="3000" dirty="0" smtClean="0"/>
               <a:t>18 seats will flip parties</a:t>
             </a:r>
           </a:p>
@@ -6519,7 +6519,7 @@
               <a:buChar char="•"/>
             </a:pPr>
             <a:r>
-              <a:rPr lang="en-US" sz="3200" dirty="0" smtClean="0"/>
+              <a:rPr lang="en-US" sz="3000" dirty="0" smtClean="0"/>
               <a:t>Republicans net gain of 4 seats</a:t>
             </a:r>
           </a:p>
@@ -6529,7 +6529,7 @@
               <a:buChar char="•"/>
             </a:pPr>
             <a:r>
-              <a:rPr lang="en-US" sz="3200" dirty="0" smtClean="0"/>
+              <a:rPr lang="en-US" sz="3000" dirty="0" smtClean="0"/>
               <a:t>Gain 5 in the Assembly</a:t>
             </a:r>
           </a:p>
@@ -6539,7 +6539,7 @@
               <a:buChar char="•"/>
             </a:pPr>
             <a:r>
-              <a:rPr lang="en-US" sz="3200" dirty="0" smtClean="0"/>
+              <a:rPr lang="en-US" sz="3000" dirty="0" smtClean="0"/>
               <a:t>Lose 1 in the Senate</a:t>
             </a:r>
           </a:p>
@@ -6574,8 +6574,8 @@
         </p:blipFill>
         <p:spPr>
           <a:xfrm>
-            <a:off x="1439363" y="18205321"/>
-            <a:ext cx="5252243" cy="3022754"/>
+            <a:off x="1495811" y="18254049"/>
+            <a:ext cx="5167573" cy="2974025"/>
           </a:xfrm>
           <a:prstGeom prst="rect">
             <a:avLst/>
@@ -6622,8 +6622,8 @@
         </p:nvSpPr>
         <p:spPr bwMode="auto">
           <a:xfrm>
-            <a:off x="596590" y="4527409"/>
-            <a:ext cx="7372350" cy="743052"/>
+            <a:off x="596591" y="6390015"/>
+            <a:ext cx="7372350" cy="712275"/>
           </a:xfrm>
           <a:prstGeom prst="rect">
             <a:avLst/>
@@ -6771,9 +6771,43 @@
               </a:spcBef>
             </a:pPr>
             <a:r>
-              <a:rPr lang="en-US" altLang="en-US" sz="4400" b="1" dirty="0"/>
+              <a:rPr lang="en-US" altLang="en-US" sz="4200" b="1" dirty="0"/>
               <a:t>Introduction</a:t>
             </a:r>
+          </a:p>
+        </p:txBody>
+      </p:sp>
+      <p:sp>
+        <p:nvSpPr>
+          <p:cNvPr id="17" name="TextBox 16"/>
+          <p:cNvSpPr txBox="1"/>
+          <p:nvPr/>
+        </p:nvSpPr>
+        <p:spPr>
+          <a:xfrm>
+            <a:off x="790239" y="4063868"/>
+            <a:ext cx="6942816" cy="2246769"/>
+          </a:xfrm>
+          <a:prstGeom prst="rect">
+            <a:avLst/>
+          </a:prstGeom>
+          <a:noFill/>
+        </p:spPr>
+        <p:txBody>
+          <a:bodyPr wrap="square" rtlCol="0">
+            <a:spAutoFit/>
+          </a:bodyPr>
+          <a:lstStyle/>
+          <a:p>
+            <a:pPr marL="457200" indent="-457200" algn="l">
+              <a:buFont typeface="Arial"/>
+              <a:buChar char="•"/>
+            </a:pPr>
+            <a:r>
+              <a:rPr lang="en-US" sz="2800" dirty="0" smtClean="0"/>
+              <a:t>The goal of this project was to create a mixed effects model using data from previous elections to predict the outcome of the 2018 California state  legislative elections. </a:t>
+            </a:r>
+            <a:endParaRPr lang="en-US" sz="2800" dirty="0"/>
           </a:p>
         </p:txBody>
       </p:sp>
